--- a/doc/Astropy-and-Friends.pptx
+++ b/doc/Astropy-and-Friends.pptx
@@ -5,17 +5,18 @@
     <p:sldMasterId id="2147483660" r:id="rId1"/>
   </p:sldMasterIdLst>
   <p:notesMasterIdLst>
-    <p:notesMasterId r:id="rId10"/>
+    <p:notesMasterId r:id="rId11"/>
   </p:notesMasterIdLst>
   <p:sldIdLst>
     <p:sldId id="256" r:id="rId2"/>
     <p:sldId id="263" r:id="rId3"/>
     <p:sldId id="257" r:id="rId4"/>
     <p:sldId id="260" r:id="rId5"/>
-    <p:sldId id="258" r:id="rId6"/>
-    <p:sldId id="259" r:id="rId7"/>
-    <p:sldId id="261" r:id="rId8"/>
-    <p:sldId id="262" r:id="rId9"/>
+    <p:sldId id="264" r:id="rId6"/>
+    <p:sldId id="258" r:id="rId7"/>
+    <p:sldId id="259" r:id="rId8"/>
+    <p:sldId id="261" r:id="rId9"/>
+    <p:sldId id="262" r:id="rId10"/>
   </p:sldIdLst>
   <p:sldSz cx="12192000" cy="6858000"/>
   <p:notesSz cx="6858000" cy="9144000"/>
@@ -215,7 +216,7 @@
           <a:p>
             <a:fld id="{F98456CD-C349-48CA-A8E4-556409A2B3C5}" type="datetimeFigureOut">
               <a:rPr lang="de-DE" smtClean="0"/>
-              <a:t>30.01.2025</a:t>
+              <a:t>10.02.2025</a:t>
             </a:fld>
             <a:endParaRPr lang="de-DE"/>
           </a:p>
@@ -637,7 +638,7 @@
           <a:p>
             <a:r>
               <a:rPr lang="de-DE"/>
-              <a:t>2025-01-13</a:t>
+              <a:t>2025-02-24</a:t>
             </a:r>
           </a:p>
         </p:txBody>
@@ -874,7 +875,7 @@
           <a:p>
             <a:r>
               <a:rPr lang="de-DE"/>
-              <a:t>2025-01-13</a:t>
+              <a:t>2025-02-24</a:t>
             </a:r>
           </a:p>
         </p:txBody>
@@ -1159,7 +1160,7 @@
           <a:p>
             <a:r>
               <a:rPr lang="de-DE"/>
-              <a:t>2025-01-13</a:t>
+              <a:t>2025-02-24</a:t>
             </a:r>
           </a:p>
         </p:txBody>
@@ -1432,7 +1433,7 @@
           <a:p>
             <a:r>
               <a:rPr lang="de-DE"/>
-              <a:t>2025-01-13</a:t>
+              <a:t>2025-02-24</a:t>
             </a:r>
           </a:p>
         </p:txBody>
@@ -1568,7 +1569,7 @@
           <a:p>
             <a:r>
               <a:rPr lang="de-DE"/>
-              <a:t>2025-01-13</a:t>
+              <a:t>2025-02-24</a:t>
             </a:r>
           </a:p>
         </p:txBody>
@@ -1898,7 +1899,7 @@
           <a:p>
             <a:r>
               <a:rPr lang="de-DE"/>
-              <a:t>2025-01-13</a:t>
+              <a:t>2025-02-24</a:t>
             </a:r>
           </a:p>
         </p:txBody>
@@ -2486,7 +2487,7 @@
           <a:p>
             <a:r>
               <a:rPr lang="de-DE"/>
-              <a:t>2025-01-13</a:t>
+              <a:t>2025-02-24</a:t>
             </a:r>
           </a:p>
         </p:txBody>
@@ -2810,7 +2811,7 @@
           <a:p>
             <a:r>
               <a:rPr lang="de-DE"/>
-              <a:t>2025-01-13</a:t>
+              <a:t>2025-02-24</a:t>
             </a:r>
           </a:p>
         </p:txBody>
@@ -3748,7 +3749,7 @@
           <a:p>
             <a:r>
               <a:rPr lang="de-DE"/>
-              <a:t>2025-01-13</a:t>
+              <a:t>2025-02-24</a:t>
             </a:r>
           </a:p>
         </p:txBody>
@@ -4134,7 +4135,7 @@
           <a:p>
             <a:r>
               <a:rPr lang="de-DE"/>
-              <a:t>2025-01-13</a:t>
+              <a:t>2025-02-24</a:t>
             </a:r>
           </a:p>
         </p:txBody>
@@ -4264,6 +4265,236 @@
       </p:grpSpPr>
       <p:sp>
         <p:nvSpPr>
+          <p:cNvPr id="2" name="Titel 1">
+            <a:extLst>
+              <a:ext uri="{FF2B5EF4-FFF2-40B4-BE49-F238E27FC236}">
+                <a16:creationId xmlns:a16="http://schemas.microsoft.com/office/drawing/2014/main" id="{C68FD1C8-31E4-C064-B995-0F0A3547214C}"/>
+              </a:ext>
+            </a:extLst>
+          </p:cNvPr>
+          <p:cNvSpPr>
+            <a:spLocks noGrp="1"/>
+          </p:cNvSpPr>
+          <p:nvPr>
+            <p:ph type="title"/>
+          </p:nvPr>
+        </p:nvSpPr>
+        <p:spPr/>
+        <p:txBody>
+          <a:bodyPr/>
+          <a:lstStyle/>
+          <a:p>
+            <a:r>
+              <a:rPr lang="de-DE" dirty="0"/>
+              <a:t>Einheiten und Konstanten</a:t>
+            </a:r>
+          </a:p>
+        </p:txBody>
+      </p:sp>
+      <p:sp>
+        <p:nvSpPr>
+          <p:cNvPr id="3" name="Inhaltsplatzhalter 2">
+            <a:extLst>
+              <a:ext uri="{FF2B5EF4-FFF2-40B4-BE49-F238E27FC236}">
+                <a16:creationId xmlns:a16="http://schemas.microsoft.com/office/drawing/2014/main" id="{DEF0EA6E-561C-FDAE-64F2-6055B3DBAA88}"/>
+              </a:ext>
+            </a:extLst>
+          </p:cNvPr>
+          <p:cNvSpPr>
+            <a:spLocks noGrp="1"/>
+          </p:cNvSpPr>
+          <p:nvPr>
+            <p:ph idx="1"/>
+          </p:nvPr>
+        </p:nvSpPr>
+        <p:spPr/>
+        <p:txBody>
+          <a:bodyPr/>
+          <a:lstStyle/>
+          <a:p>
+            <a:r>
+              <a:rPr lang="de-DE" dirty="0" err="1"/>
+              <a:t>Astropy</a:t>
+            </a:r>
+            <a:r>
+              <a:rPr lang="de-DE" dirty="0"/>
+              <a:t> kann Größengleichungen</a:t>
+            </a:r>
+          </a:p>
+          <a:p>
+            <a:r>
+              <a:rPr lang="de-DE" dirty="0"/>
+              <a:t>… und kennt etliche physikalische Konstanten</a:t>
+            </a:r>
+          </a:p>
+          <a:p>
+            <a:endParaRPr lang="de-DE" dirty="0"/>
+          </a:p>
+          <a:p>
+            <a:r>
+              <a:rPr lang="de-DE" dirty="0" err="1"/>
+              <a:t>astropy.units</a:t>
+            </a:r>
+            <a:endParaRPr lang="de-DE" dirty="0"/>
+          </a:p>
+          <a:p>
+            <a:r>
+              <a:rPr lang="de-DE" dirty="0" err="1"/>
+              <a:t>astropy.imperial</a:t>
+            </a:r>
+            <a:endParaRPr lang="de-DE" dirty="0"/>
+          </a:p>
+          <a:p>
+            <a:r>
+              <a:rPr lang="de-DE" dirty="0" err="1"/>
+              <a:t>astropy.constants</a:t>
+            </a:r>
+            <a:endParaRPr lang="de-DE" dirty="0"/>
+          </a:p>
+          <a:p>
+            <a:endParaRPr lang="de-DE" dirty="0"/>
+          </a:p>
+          <a:p>
+            <a:r>
+              <a:rPr lang="de-DE" dirty="0"/>
+              <a:t>Und damit lässt sich leicht die wichtige Frage lösen: was ist „</a:t>
+            </a:r>
+            <a:r>
+              <a:rPr lang="de-DE" dirty="0" err="1"/>
+              <a:t>furlong</a:t>
+            </a:r>
+            <a:r>
+              <a:rPr lang="de-DE" dirty="0"/>
+              <a:t> per </a:t>
+            </a:r>
+            <a:r>
+              <a:rPr lang="de-DE" dirty="0" err="1"/>
+              <a:t>fortnight</a:t>
+            </a:r>
+            <a:r>
+              <a:rPr lang="de-DE" dirty="0"/>
+              <a:t>“? ;-)</a:t>
+            </a:r>
+          </a:p>
+        </p:txBody>
+      </p:sp>
+      <p:sp>
+        <p:nvSpPr>
+          <p:cNvPr id="4" name="Datumsplatzhalter 3">
+            <a:extLst>
+              <a:ext uri="{FF2B5EF4-FFF2-40B4-BE49-F238E27FC236}">
+                <a16:creationId xmlns:a16="http://schemas.microsoft.com/office/drawing/2014/main" id="{406DA966-C1B2-470E-CD96-7EB9B6C8049F}"/>
+              </a:ext>
+            </a:extLst>
+          </p:cNvPr>
+          <p:cNvSpPr>
+            <a:spLocks noGrp="1"/>
+          </p:cNvSpPr>
+          <p:nvPr>
+            <p:ph type="dt" sz="half" idx="10"/>
+          </p:nvPr>
+        </p:nvSpPr>
+        <p:spPr/>
+        <p:txBody>
+          <a:bodyPr/>
+          <a:lstStyle/>
+          <a:p>
+            <a:r>
+              <a:rPr lang="de-DE"/>
+              <a:t>2025-02-24</a:t>
+            </a:r>
+          </a:p>
+        </p:txBody>
+      </p:sp>
+      <p:sp>
+        <p:nvSpPr>
+          <p:cNvPr id="5" name="Fußzeilenplatzhalter 4">
+            <a:extLst>
+              <a:ext uri="{FF2B5EF4-FFF2-40B4-BE49-F238E27FC236}">
+                <a16:creationId xmlns:a16="http://schemas.microsoft.com/office/drawing/2014/main" id="{6B0A6CDE-6533-28CE-90E0-9BBB943055E1}"/>
+              </a:ext>
+            </a:extLst>
+          </p:cNvPr>
+          <p:cNvSpPr>
+            <a:spLocks noGrp="1"/>
+          </p:cNvSpPr>
+          <p:nvPr>
+            <p:ph type="ftr" sz="quarter" idx="11"/>
+          </p:nvPr>
+        </p:nvSpPr>
+        <p:spPr/>
+        <p:txBody>
+          <a:bodyPr/>
+          <a:lstStyle/>
+          <a:p>
+            <a:r>
+              <a:rPr lang="de-DE"/>
+              <a:t>Astropy &amp; Friends / Dr. Martin Junius</a:t>
+            </a:r>
+          </a:p>
+        </p:txBody>
+      </p:sp>
+      <p:sp>
+        <p:nvSpPr>
+          <p:cNvPr id="6" name="Foliennummernplatzhalter 5">
+            <a:extLst>
+              <a:ext uri="{FF2B5EF4-FFF2-40B4-BE49-F238E27FC236}">
+                <a16:creationId xmlns:a16="http://schemas.microsoft.com/office/drawing/2014/main" id="{9FD3AC74-0912-3AAE-2620-F0E58E79F5EB}"/>
+              </a:ext>
+            </a:extLst>
+          </p:cNvPr>
+          <p:cNvSpPr>
+            <a:spLocks noGrp="1"/>
+          </p:cNvSpPr>
+          <p:nvPr>
+            <p:ph type="sldNum" sz="quarter" idx="12"/>
+          </p:nvPr>
+        </p:nvSpPr>
+        <p:spPr/>
+        <p:txBody>
+          <a:bodyPr/>
+          <a:lstStyle/>
+          <a:p>
+            <a:fld id="{21B0A09D-5CD9-4608-83B4-ECF306C3F64F}" type="slidenum">
+              <a:rPr lang="de-DE" smtClean="0"/>
+              <a:t>5</a:t>
+            </a:fld>
+            <a:endParaRPr lang="de-DE"/>
+          </a:p>
+        </p:txBody>
+      </p:sp>
+    </p:spTree>
+    <p:extLst>
+      <p:ext uri="{BB962C8B-B14F-4D97-AF65-F5344CB8AC3E}">
+        <p14:creationId xmlns:p14="http://schemas.microsoft.com/office/powerpoint/2010/main" val="1800890606"/>
+      </p:ext>
+    </p:extLst>
+  </p:cSld>
+  <p:clrMapOvr>
+    <a:masterClrMapping/>
+  </p:clrMapOvr>
+</p:sld>
+</file>
+
+<file path=ppt/slides/slide6.xml><?xml version="1.0" encoding="utf-8"?>
+<p:sld xmlns:a="http://schemas.openxmlformats.org/drawingml/2006/main" xmlns:r="http://schemas.openxmlformats.org/officeDocument/2006/relationships" xmlns:p="http://schemas.openxmlformats.org/presentationml/2006/main">
+  <p:cSld>
+    <p:spTree>
+      <p:nvGrpSpPr>
+        <p:cNvPr id="1" name=""/>
+        <p:cNvGrpSpPr/>
+        <p:nvPr/>
+      </p:nvGrpSpPr>
+      <p:grpSpPr>
+        <a:xfrm>
+          <a:off x="0" y="0"/>
+          <a:ext cx="0" cy="0"/>
+          <a:chOff x="0" y="0"/>
+          <a:chExt cx="0" cy="0"/>
+        </a:xfrm>
+      </p:grpSpPr>
+      <p:sp>
+        <p:nvSpPr>
           <p:cNvPr id="7" name="Titel 6">
             <a:extLst>
               <a:ext uri="{FF2B5EF4-FFF2-40B4-BE49-F238E27FC236}">
@@ -4649,7 +4880,7 @@
           <a:p>
             <a:r>
               <a:rPr lang="de-DE"/>
-              <a:t>2025-01-13</a:t>
+              <a:t>2025-02-24</a:t>
             </a:r>
           </a:p>
         </p:txBody>
@@ -4705,7 +4936,7 @@
           <a:p>
             <a:fld id="{21B0A09D-5CD9-4608-83B4-ECF306C3F64F}" type="slidenum">
               <a:rPr lang="de-DE" smtClean="0"/>
-              <a:t>5</a:t>
+              <a:t>6</a:t>
             </a:fld>
             <a:endParaRPr lang="de-DE"/>
           </a:p>
@@ -4760,322 +4991,6 @@
 </p:sld>
 </file>
 
-<file path=ppt/slides/slide6.xml><?xml version="1.0" encoding="utf-8"?>
-<p:sld xmlns:a="http://schemas.openxmlformats.org/drawingml/2006/main" xmlns:r="http://schemas.openxmlformats.org/officeDocument/2006/relationships" xmlns:p="http://schemas.openxmlformats.org/presentationml/2006/main">
-  <p:cSld>
-    <p:spTree>
-      <p:nvGrpSpPr>
-        <p:cNvPr id="1" name=""/>
-        <p:cNvGrpSpPr/>
-        <p:nvPr/>
-      </p:nvGrpSpPr>
-      <p:grpSpPr>
-        <a:xfrm>
-          <a:off x="0" y="0"/>
-          <a:ext cx="0" cy="0"/>
-          <a:chOff x="0" y="0"/>
-          <a:chExt cx="0" cy="0"/>
-        </a:xfrm>
-      </p:grpSpPr>
-      <p:sp>
-        <p:nvSpPr>
-          <p:cNvPr id="2" name="Titel 1">
-            <a:extLst>
-              <a:ext uri="{FF2B5EF4-FFF2-40B4-BE49-F238E27FC236}">
-                <a16:creationId xmlns:a16="http://schemas.microsoft.com/office/drawing/2014/main" id="{5CF5B583-D18B-0721-4B74-B08710D5E588}"/>
-              </a:ext>
-            </a:extLst>
-          </p:cNvPr>
-          <p:cNvSpPr>
-            <a:spLocks noGrp="1"/>
-          </p:cNvSpPr>
-          <p:nvPr>
-            <p:ph type="title"/>
-          </p:nvPr>
-        </p:nvSpPr>
-        <p:spPr/>
-        <p:txBody>
-          <a:bodyPr/>
-          <a:lstStyle/>
-          <a:p>
-            <a:r>
-              <a:rPr lang="de-DE" dirty="0"/>
-              <a:t>…</a:t>
-            </a:r>
-            <a:r>
-              <a:rPr lang="de-DE" dirty="0" err="1"/>
-              <a:t>centri</a:t>
-            </a:r>
-            <a:r>
-              <a:rPr lang="de-DE" dirty="0"/>
-              <a:t> was? </a:t>
-            </a:r>
-            <a:r>
-              <a:rPr lang="de-DE" dirty="0" err="1"/>
-              <a:t>SkyCoord</a:t>
-            </a:r>
-            <a:endParaRPr lang="de-DE" dirty="0"/>
-          </a:p>
-        </p:txBody>
-      </p:sp>
-      <p:sp>
-        <p:nvSpPr>
-          <p:cNvPr id="8" name="Inhaltsplatzhalter 7">
-            <a:extLst>
-              <a:ext uri="{FF2B5EF4-FFF2-40B4-BE49-F238E27FC236}">
-                <a16:creationId xmlns:a16="http://schemas.microsoft.com/office/drawing/2014/main" id="{093A907B-C888-CCDA-12AF-C84E3ABF7472}"/>
-              </a:ext>
-            </a:extLst>
-          </p:cNvPr>
-          <p:cNvSpPr>
-            <a:spLocks noGrp="1"/>
-          </p:cNvSpPr>
-          <p:nvPr>
-            <p:ph idx="1"/>
-          </p:nvPr>
-        </p:nvSpPr>
-        <p:spPr/>
-        <p:txBody>
-          <a:bodyPr>
-            <a:noAutofit/>
-          </a:bodyPr>
-          <a:lstStyle/>
-          <a:p>
-            <a:r>
-              <a:rPr lang="de-DE" dirty="0"/>
-              <a:t>Bezugssysteme</a:t>
-            </a:r>
-          </a:p>
-          <a:p>
-            <a:pPr lvl="1"/>
-            <a:r>
-              <a:rPr lang="de-DE" dirty="0" err="1"/>
-              <a:t>Barycentric</a:t>
-            </a:r>
-            <a:r>
-              <a:rPr lang="de-DE" dirty="0"/>
-              <a:t>		Ursprung: Massenzentrum des Sonnensystems</a:t>
-            </a:r>
-            <a:br>
-              <a:rPr lang="de-DE" dirty="0"/>
-            </a:br>
-            <a:r>
-              <a:rPr lang="de-DE" dirty="0"/>
-              <a:t>ICRS/ICRF,  J2000/FK5, B1950/FK4, „JNOW“/FK5</a:t>
-            </a:r>
-          </a:p>
-          <a:p>
-            <a:pPr lvl="1"/>
-            <a:r>
-              <a:rPr lang="de-DE" dirty="0" err="1"/>
-              <a:t>Geocentric</a:t>
-            </a:r>
-            <a:r>
-              <a:rPr lang="de-DE" dirty="0"/>
-              <a:t>		Ursprung: </a:t>
-            </a:r>
-            <a:r>
-              <a:rPr lang="de-DE" dirty="0" err="1"/>
-              <a:t>Erd</a:t>
-            </a:r>
-            <a:r>
-              <a:rPr lang="de-DE" dirty="0"/>
-              <a:t>(</a:t>
-            </a:r>
-            <a:r>
-              <a:rPr lang="de-DE" dirty="0" err="1"/>
-              <a:t>massen</a:t>
-            </a:r>
-            <a:r>
-              <a:rPr lang="de-DE" dirty="0"/>
-              <a:t>)</a:t>
-            </a:r>
-            <a:r>
-              <a:rPr lang="de-DE" dirty="0" err="1"/>
-              <a:t>mittelpunkt</a:t>
-            </a:r>
-            <a:br>
-              <a:rPr lang="de-DE" dirty="0"/>
-            </a:br>
-            <a:r>
-              <a:rPr lang="de-DE" dirty="0"/>
-              <a:t>GCRS, </a:t>
-            </a:r>
-            <a:r>
-              <a:rPr lang="de-DE" dirty="0" err="1"/>
-              <a:t>PrecessedGeocentric</a:t>
-            </a:r>
-            <a:endParaRPr lang="de-DE" dirty="0"/>
-          </a:p>
-          <a:p>
-            <a:pPr lvl="1"/>
-            <a:r>
-              <a:rPr lang="de-DE" dirty="0" err="1"/>
-              <a:t>Topocentric</a:t>
-            </a:r>
-            <a:r>
-              <a:rPr lang="de-DE" dirty="0"/>
-              <a:t>		Ursprung: Beobachterstandpunkt auf Erdoberfläche</a:t>
-            </a:r>
-            <a:br>
-              <a:rPr lang="de-DE" dirty="0"/>
-            </a:br>
-            <a:r>
-              <a:rPr lang="de-DE" dirty="0" err="1"/>
-              <a:t>HADec</a:t>
-            </a:r>
-            <a:r>
-              <a:rPr lang="de-DE" dirty="0"/>
-              <a:t>, </a:t>
-            </a:r>
-            <a:r>
-              <a:rPr lang="de-DE" dirty="0" err="1"/>
-              <a:t>AltAz</a:t>
-            </a:r>
-            <a:endParaRPr lang="de-DE" dirty="0"/>
-          </a:p>
-          <a:p>
-            <a:endParaRPr lang="de-DE" dirty="0"/>
-          </a:p>
-          <a:p>
-            <a:r>
-              <a:rPr lang="de-DE" sz="1800" dirty="0">
-                <a:hlinkClick r:id="rId2"/>
-              </a:rPr>
-              <a:t>https://en.wikipedia.org/wiki/Barycentric_and_geocentric_celestial_reference_systems</a:t>
-            </a:r>
-            <a:endParaRPr lang="de-DE" sz="1800" dirty="0"/>
-          </a:p>
-          <a:p>
-            <a:r>
-              <a:rPr lang="de-DE" sz="1800" dirty="0">
-                <a:hlinkClick r:id="rId3"/>
-              </a:rPr>
-              <a:t>https://en.wikipedia.org/wiki/International_Celestial_Reference_System_and_its_realizations</a:t>
-            </a:r>
-            <a:endParaRPr lang="de-DE" sz="1800" dirty="0"/>
-          </a:p>
-          <a:p>
-            <a:r>
-              <a:rPr lang="de-DE" sz="1800" dirty="0">
-                <a:hlinkClick r:id="rId4"/>
-              </a:rPr>
-              <a:t>https://en.wikipedia.org/wiki/Catalogues_of_Fundamental_Stars</a:t>
-            </a:r>
-            <a:endParaRPr lang="de-DE" sz="1800" dirty="0"/>
-          </a:p>
-          <a:p>
-            <a:r>
-              <a:rPr lang="de-DE" sz="1800" dirty="0">
-                <a:hlinkClick r:id="rId5"/>
-              </a:rPr>
-              <a:t>https://en.wikipedia.org/wiki/Epoch_(astronomy)</a:t>
-            </a:r>
-            <a:endParaRPr lang="de-DE" sz="1800" dirty="0"/>
-          </a:p>
-          <a:p>
-            <a:endParaRPr lang="de-DE" dirty="0"/>
-          </a:p>
-        </p:txBody>
-      </p:sp>
-      <p:sp>
-        <p:nvSpPr>
-          <p:cNvPr id="5" name="Datumsplatzhalter 4">
-            <a:extLst>
-              <a:ext uri="{FF2B5EF4-FFF2-40B4-BE49-F238E27FC236}">
-                <a16:creationId xmlns:a16="http://schemas.microsoft.com/office/drawing/2014/main" id="{83B7C095-22C6-56D3-AF40-9E866E4A0C48}"/>
-              </a:ext>
-            </a:extLst>
-          </p:cNvPr>
-          <p:cNvSpPr>
-            <a:spLocks noGrp="1"/>
-          </p:cNvSpPr>
-          <p:nvPr>
-            <p:ph type="dt" sz="half" idx="10"/>
-          </p:nvPr>
-        </p:nvSpPr>
-        <p:spPr/>
-        <p:txBody>
-          <a:bodyPr/>
-          <a:lstStyle/>
-          <a:p>
-            <a:r>
-              <a:rPr lang="de-DE"/>
-              <a:t>2025-01-13</a:t>
-            </a:r>
-          </a:p>
-        </p:txBody>
-      </p:sp>
-      <p:sp>
-        <p:nvSpPr>
-          <p:cNvPr id="6" name="Fußzeilenplatzhalter 5">
-            <a:extLst>
-              <a:ext uri="{FF2B5EF4-FFF2-40B4-BE49-F238E27FC236}">
-                <a16:creationId xmlns:a16="http://schemas.microsoft.com/office/drawing/2014/main" id="{56FC03B6-62F2-D403-9BE9-34CFDFD45CF3}"/>
-              </a:ext>
-            </a:extLst>
-          </p:cNvPr>
-          <p:cNvSpPr>
-            <a:spLocks noGrp="1"/>
-          </p:cNvSpPr>
-          <p:nvPr>
-            <p:ph type="ftr" sz="quarter" idx="11"/>
-          </p:nvPr>
-        </p:nvSpPr>
-        <p:spPr/>
-        <p:txBody>
-          <a:bodyPr/>
-          <a:lstStyle/>
-          <a:p>
-            <a:r>
-              <a:rPr lang="de-DE"/>
-              <a:t>Astropy &amp; Friends / Dr. Martin Junius</a:t>
-            </a:r>
-          </a:p>
-        </p:txBody>
-      </p:sp>
-      <p:sp>
-        <p:nvSpPr>
-          <p:cNvPr id="7" name="Foliennummernplatzhalter 6">
-            <a:extLst>
-              <a:ext uri="{FF2B5EF4-FFF2-40B4-BE49-F238E27FC236}">
-                <a16:creationId xmlns:a16="http://schemas.microsoft.com/office/drawing/2014/main" id="{EAB9A503-E1EF-9AB1-8FC8-F61287937C35}"/>
-              </a:ext>
-            </a:extLst>
-          </p:cNvPr>
-          <p:cNvSpPr>
-            <a:spLocks noGrp="1"/>
-          </p:cNvSpPr>
-          <p:nvPr>
-            <p:ph type="sldNum" sz="quarter" idx="12"/>
-          </p:nvPr>
-        </p:nvSpPr>
-        <p:spPr/>
-        <p:txBody>
-          <a:bodyPr/>
-          <a:lstStyle/>
-          <a:p>
-            <a:fld id="{21B0A09D-5CD9-4608-83B4-ECF306C3F64F}" type="slidenum">
-              <a:rPr lang="de-DE" smtClean="0"/>
-              <a:t>6</a:t>
-            </a:fld>
-            <a:endParaRPr lang="de-DE"/>
-          </a:p>
-        </p:txBody>
-      </p:sp>
-    </p:spTree>
-    <p:extLst>
-      <p:ext uri="{BB962C8B-B14F-4D97-AF65-F5344CB8AC3E}">
-        <p14:creationId xmlns:p14="http://schemas.microsoft.com/office/powerpoint/2010/main" val="2936428337"/>
-      </p:ext>
-    </p:extLst>
-  </p:cSld>
-  <p:clrMapOvr>
-    <a:masterClrMapping/>
-  </p:clrMapOvr>
-</p:sld>
-</file>
-
 <file path=ppt/slides/slide7.xml><?xml version="1.0" encoding="utf-8"?>
 <p:sld xmlns:a="http://schemas.openxmlformats.org/drawingml/2006/main" xmlns:r="http://schemas.openxmlformats.org/officeDocument/2006/relationships" xmlns:p="http://schemas.openxmlformats.org/presentationml/2006/main">
   <p:cSld>
@@ -5098,7 +5013,7 @@
           <p:cNvPr id="2" name="Titel 1">
             <a:extLst>
               <a:ext uri="{FF2B5EF4-FFF2-40B4-BE49-F238E27FC236}">
-                <a16:creationId xmlns:a16="http://schemas.microsoft.com/office/drawing/2014/main" id="{3D674A9C-707F-833A-724B-52433A948889}"/>
+                <a16:creationId xmlns:a16="http://schemas.microsoft.com/office/drawing/2014/main" id="{5CF5B583-D18B-0721-4B74-B08710D5E588}"/>
               </a:ext>
             </a:extLst>
           </p:cNvPr>
@@ -5116,17 +5031,30 @@
           <a:p>
             <a:r>
               <a:rPr lang="de-DE" dirty="0"/>
-              <a:t>FITS</a:t>
-            </a:r>
-          </a:p>
-        </p:txBody>
-      </p:sp>
-      <p:sp>
-        <p:nvSpPr>
-          <p:cNvPr id="3" name="Inhaltsplatzhalter 2">
+              <a:t>…</a:t>
+            </a:r>
+            <a:r>
+              <a:rPr lang="de-DE" dirty="0" err="1"/>
+              <a:t>centri</a:t>
+            </a:r>
+            <a:r>
+              <a:rPr lang="de-DE" dirty="0"/>
+              <a:t> was? </a:t>
+            </a:r>
+            <a:r>
+              <a:rPr lang="de-DE" dirty="0" err="1"/>
+              <a:t>SkyCoord</a:t>
+            </a:r>
+            <a:endParaRPr lang="de-DE" dirty="0"/>
+          </a:p>
+        </p:txBody>
+      </p:sp>
+      <p:sp>
+        <p:nvSpPr>
+          <p:cNvPr id="8" name="Inhaltsplatzhalter 7">
             <a:extLst>
               <a:ext uri="{FF2B5EF4-FFF2-40B4-BE49-F238E27FC236}">
-                <a16:creationId xmlns:a16="http://schemas.microsoft.com/office/drawing/2014/main" id="{36BF6006-2D32-9698-025A-E1A76CF1C967}"/>
+                <a16:creationId xmlns:a16="http://schemas.microsoft.com/office/drawing/2014/main" id="{093A907B-C888-CCDA-12AF-C84E3ABF7472}"/>
               </a:ext>
             </a:extLst>
           </p:cNvPr>
@@ -5139,19 +5067,154 @@
         </p:nvSpPr>
         <p:spPr/>
         <p:txBody>
-          <a:bodyPr/>
-          <a:lstStyle/>
-          <a:p>
-            <a:endParaRPr lang="de-DE"/>
-          </a:p>
-        </p:txBody>
-      </p:sp>
-      <p:sp>
-        <p:nvSpPr>
-          <p:cNvPr id="4" name="Datumsplatzhalter 3">
+          <a:bodyPr>
+            <a:noAutofit/>
+          </a:bodyPr>
+          <a:lstStyle/>
+          <a:p>
+            <a:r>
+              <a:rPr lang="de-DE" dirty="0"/>
+              <a:t>Bezugssysteme</a:t>
+            </a:r>
+          </a:p>
+          <a:p>
+            <a:pPr lvl="1"/>
+            <a:r>
+              <a:rPr lang="de-DE" dirty="0" err="1"/>
+              <a:t>Barycentric</a:t>
+            </a:r>
+            <a:r>
+              <a:rPr lang="de-DE" dirty="0"/>
+              <a:t>		Ursprung: Massenzentrum des Sonnensystems</a:t>
+            </a:r>
+            <a:br>
+              <a:rPr lang="de-DE" dirty="0"/>
+            </a:br>
+            <a:r>
+              <a:rPr lang="de-DE" dirty="0"/>
+              <a:t>ICRS/ICRF,  J2000/FK5, B1950/FK4, „JNOW“/FK5</a:t>
+            </a:r>
+          </a:p>
+          <a:p>
+            <a:pPr lvl="1"/>
+            <a:r>
+              <a:rPr lang="de-DE" dirty="0" err="1"/>
+              <a:t>Geocentric</a:t>
+            </a:r>
+            <a:r>
+              <a:rPr lang="de-DE" dirty="0"/>
+              <a:t>		Ursprung: </a:t>
+            </a:r>
+            <a:r>
+              <a:rPr lang="de-DE" dirty="0" err="1"/>
+              <a:t>Erd</a:t>
+            </a:r>
+            <a:r>
+              <a:rPr lang="de-DE" dirty="0"/>
+              <a:t>(</a:t>
+            </a:r>
+            <a:r>
+              <a:rPr lang="de-DE" dirty="0" err="1"/>
+              <a:t>massen</a:t>
+            </a:r>
+            <a:r>
+              <a:rPr lang="de-DE" dirty="0"/>
+              <a:t>)</a:t>
+            </a:r>
+            <a:r>
+              <a:rPr lang="de-DE" dirty="0" err="1"/>
+              <a:t>mittelpunkt</a:t>
+            </a:r>
+            <a:br>
+              <a:rPr lang="de-DE" dirty="0"/>
+            </a:br>
+            <a:r>
+              <a:rPr lang="de-DE" dirty="0"/>
+              <a:t>GCRS, </a:t>
+            </a:r>
+            <a:r>
+              <a:rPr lang="de-DE" dirty="0" err="1"/>
+              <a:t>PrecessedGeocentric</a:t>
+            </a:r>
+            <a:endParaRPr lang="de-DE" dirty="0"/>
+          </a:p>
+          <a:p>
+            <a:pPr lvl="1"/>
+            <a:r>
+              <a:rPr lang="de-DE" dirty="0" err="1"/>
+              <a:t>Topocentric</a:t>
+            </a:r>
+            <a:r>
+              <a:rPr lang="de-DE" dirty="0"/>
+              <a:t>		Ursprung: Beobachterstandpunkt auf Erdoberfläche</a:t>
+            </a:r>
+            <a:br>
+              <a:rPr lang="de-DE" dirty="0"/>
+            </a:br>
+            <a:r>
+              <a:rPr lang="de-DE" dirty="0" err="1"/>
+              <a:t>HADec</a:t>
+            </a:r>
+            <a:r>
+              <a:rPr lang="de-DE" dirty="0"/>
+              <a:t>, </a:t>
+            </a:r>
+            <a:r>
+              <a:rPr lang="de-DE" dirty="0" err="1"/>
+              <a:t>AltAz</a:t>
+            </a:r>
+            <a:endParaRPr lang="de-DE" dirty="0"/>
+          </a:p>
+          <a:p>
+            <a:endParaRPr lang="de-DE" dirty="0"/>
+          </a:p>
+          <a:p>
+            <a:r>
+              <a:rPr lang="de-DE" sz="1800" dirty="0">
+                <a:hlinkClick r:id="rId2"/>
+              </a:rPr>
+              <a:t>https://en.wikipedia.org/wiki/Barycentric_and_geocentric_celestial_reference_systems</a:t>
+            </a:r>
+            <a:endParaRPr lang="de-DE" sz="1800" dirty="0"/>
+          </a:p>
+          <a:p>
+            <a:r>
+              <a:rPr lang="de-DE" sz="1800" dirty="0">
+                <a:hlinkClick r:id="rId3"/>
+              </a:rPr>
+              <a:t>https://en.wikipedia.org/wiki/International_Celestial_Reference_System_and_its_realizations</a:t>
+            </a:r>
+            <a:endParaRPr lang="de-DE" sz="1800" dirty="0"/>
+          </a:p>
+          <a:p>
+            <a:r>
+              <a:rPr lang="de-DE" sz="1800" dirty="0">
+                <a:hlinkClick r:id="rId4"/>
+              </a:rPr>
+              <a:t>https://en.wikipedia.org/wiki/Catalogues_of_Fundamental_Stars</a:t>
+            </a:r>
+            <a:endParaRPr lang="de-DE" sz="1800" dirty="0"/>
+          </a:p>
+          <a:p>
+            <a:r>
+              <a:rPr lang="de-DE" sz="1800" dirty="0">
+                <a:hlinkClick r:id="rId5"/>
+              </a:rPr>
+              <a:t>https://en.wikipedia.org/wiki/Epoch_(astronomy)</a:t>
+            </a:r>
+            <a:endParaRPr lang="de-DE" sz="1800" dirty="0"/>
+          </a:p>
+          <a:p>
+            <a:endParaRPr lang="de-DE" dirty="0"/>
+          </a:p>
+        </p:txBody>
+      </p:sp>
+      <p:sp>
+        <p:nvSpPr>
+          <p:cNvPr id="5" name="Datumsplatzhalter 4">
             <a:extLst>
               <a:ext uri="{FF2B5EF4-FFF2-40B4-BE49-F238E27FC236}">
-                <a16:creationId xmlns:a16="http://schemas.microsoft.com/office/drawing/2014/main" id="{620C78F1-8657-6FD2-D574-54016EAD5ED6}"/>
+                <a16:creationId xmlns:a16="http://schemas.microsoft.com/office/drawing/2014/main" id="{83B7C095-22C6-56D3-AF40-9E866E4A0C48}"/>
               </a:ext>
             </a:extLst>
           </p:cNvPr>
@@ -5169,17 +5232,17 @@
           <a:p>
             <a:r>
               <a:rPr lang="de-DE"/>
-              <a:t>2025-01-13</a:t>
-            </a:r>
-          </a:p>
-        </p:txBody>
-      </p:sp>
-      <p:sp>
-        <p:nvSpPr>
-          <p:cNvPr id="5" name="Fußzeilenplatzhalter 4">
+              <a:t>2025-02-24</a:t>
+            </a:r>
+          </a:p>
+        </p:txBody>
+      </p:sp>
+      <p:sp>
+        <p:nvSpPr>
+          <p:cNvPr id="6" name="Fußzeilenplatzhalter 5">
             <a:extLst>
               <a:ext uri="{FF2B5EF4-FFF2-40B4-BE49-F238E27FC236}">
-                <a16:creationId xmlns:a16="http://schemas.microsoft.com/office/drawing/2014/main" id="{FDBB23E2-E3F6-AC6E-844D-30FC75664057}"/>
+                <a16:creationId xmlns:a16="http://schemas.microsoft.com/office/drawing/2014/main" id="{56FC03B6-62F2-D403-9BE9-34CFDFD45CF3}"/>
               </a:ext>
             </a:extLst>
           </p:cNvPr>
@@ -5204,10 +5267,10 @@
       </p:sp>
       <p:sp>
         <p:nvSpPr>
-          <p:cNvPr id="6" name="Foliennummernplatzhalter 5">
+          <p:cNvPr id="7" name="Foliennummernplatzhalter 6">
             <a:extLst>
               <a:ext uri="{FF2B5EF4-FFF2-40B4-BE49-F238E27FC236}">
-                <a16:creationId xmlns:a16="http://schemas.microsoft.com/office/drawing/2014/main" id="{C7D2E764-E718-9891-1ACB-F2CD7E3897B5}"/>
+                <a16:creationId xmlns:a16="http://schemas.microsoft.com/office/drawing/2014/main" id="{EAB9A503-E1EF-9AB1-8FC8-F61287937C35}"/>
               </a:ext>
             </a:extLst>
           </p:cNvPr>
@@ -5234,7 +5297,7 @@
     </p:spTree>
     <p:extLst>
       <p:ext uri="{BB962C8B-B14F-4D97-AF65-F5344CB8AC3E}">
-        <p14:creationId xmlns:p14="http://schemas.microsoft.com/office/powerpoint/2010/main" val="2265960010"/>
+        <p14:creationId xmlns:p14="http://schemas.microsoft.com/office/powerpoint/2010/main" val="2936428337"/>
       </p:ext>
     </p:extLst>
   </p:cSld>
@@ -5266,6 +5329,174 @@
           <p:cNvPr id="2" name="Titel 1">
             <a:extLst>
               <a:ext uri="{FF2B5EF4-FFF2-40B4-BE49-F238E27FC236}">
+                <a16:creationId xmlns:a16="http://schemas.microsoft.com/office/drawing/2014/main" id="{3D674A9C-707F-833A-724B-52433A948889}"/>
+              </a:ext>
+            </a:extLst>
+          </p:cNvPr>
+          <p:cNvSpPr>
+            <a:spLocks noGrp="1"/>
+          </p:cNvSpPr>
+          <p:nvPr>
+            <p:ph type="title"/>
+          </p:nvPr>
+        </p:nvSpPr>
+        <p:spPr/>
+        <p:txBody>
+          <a:bodyPr/>
+          <a:lstStyle/>
+          <a:p>
+            <a:r>
+              <a:rPr lang="de-DE" dirty="0"/>
+              <a:t>FITS</a:t>
+            </a:r>
+          </a:p>
+        </p:txBody>
+      </p:sp>
+      <p:sp>
+        <p:nvSpPr>
+          <p:cNvPr id="3" name="Inhaltsplatzhalter 2">
+            <a:extLst>
+              <a:ext uri="{FF2B5EF4-FFF2-40B4-BE49-F238E27FC236}">
+                <a16:creationId xmlns:a16="http://schemas.microsoft.com/office/drawing/2014/main" id="{36BF6006-2D32-9698-025A-E1A76CF1C967}"/>
+              </a:ext>
+            </a:extLst>
+          </p:cNvPr>
+          <p:cNvSpPr>
+            <a:spLocks noGrp="1"/>
+          </p:cNvSpPr>
+          <p:nvPr>
+            <p:ph idx="1"/>
+          </p:nvPr>
+        </p:nvSpPr>
+        <p:spPr/>
+        <p:txBody>
+          <a:bodyPr/>
+          <a:lstStyle/>
+          <a:p>
+            <a:endParaRPr lang="de-DE"/>
+          </a:p>
+        </p:txBody>
+      </p:sp>
+      <p:sp>
+        <p:nvSpPr>
+          <p:cNvPr id="4" name="Datumsplatzhalter 3">
+            <a:extLst>
+              <a:ext uri="{FF2B5EF4-FFF2-40B4-BE49-F238E27FC236}">
+                <a16:creationId xmlns:a16="http://schemas.microsoft.com/office/drawing/2014/main" id="{620C78F1-8657-6FD2-D574-54016EAD5ED6}"/>
+              </a:ext>
+            </a:extLst>
+          </p:cNvPr>
+          <p:cNvSpPr>
+            <a:spLocks noGrp="1"/>
+          </p:cNvSpPr>
+          <p:nvPr>
+            <p:ph type="dt" sz="half" idx="10"/>
+          </p:nvPr>
+        </p:nvSpPr>
+        <p:spPr/>
+        <p:txBody>
+          <a:bodyPr/>
+          <a:lstStyle/>
+          <a:p>
+            <a:r>
+              <a:rPr lang="de-DE"/>
+              <a:t>2025-02-24</a:t>
+            </a:r>
+          </a:p>
+        </p:txBody>
+      </p:sp>
+      <p:sp>
+        <p:nvSpPr>
+          <p:cNvPr id="5" name="Fußzeilenplatzhalter 4">
+            <a:extLst>
+              <a:ext uri="{FF2B5EF4-FFF2-40B4-BE49-F238E27FC236}">
+                <a16:creationId xmlns:a16="http://schemas.microsoft.com/office/drawing/2014/main" id="{FDBB23E2-E3F6-AC6E-844D-30FC75664057}"/>
+              </a:ext>
+            </a:extLst>
+          </p:cNvPr>
+          <p:cNvSpPr>
+            <a:spLocks noGrp="1"/>
+          </p:cNvSpPr>
+          <p:nvPr>
+            <p:ph type="ftr" sz="quarter" idx="11"/>
+          </p:nvPr>
+        </p:nvSpPr>
+        <p:spPr/>
+        <p:txBody>
+          <a:bodyPr/>
+          <a:lstStyle/>
+          <a:p>
+            <a:r>
+              <a:rPr lang="de-DE"/>
+              <a:t>Astropy &amp; Friends / Dr. Martin Junius</a:t>
+            </a:r>
+          </a:p>
+        </p:txBody>
+      </p:sp>
+      <p:sp>
+        <p:nvSpPr>
+          <p:cNvPr id="6" name="Foliennummernplatzhalter 5">
+            <a:extLst>
+              <a:ext uri="{FF2B5EF4-FFF2-40B4-BE49-F238E27FC236}">
+                <a16:creationId xmlns:a16="http://schemas.microsoft.com/office/drawing/2014/main" id="{C7D2E764-E718-9891-1ACB-F2CD7E3897B5}"/>
+              </a:ext>
+            </a:extLst>
+          </p:cNvPr>
+          <p:cNvSpPr>
+            <a:spLocks noGrp="1"/>
+          </p:cNvSpPr>
+          <p:nvPr>
+            <p:ph type="sldNum" sz="quarter" idx="12"/>
+          </p:nvPr>
+        </p:nvSpPr>
+        <p:spPr/>
+        <p:txBody>
+          <a:bodyPr/>
+          <a:lstStyle/>
+          <a:p>
+            <a:fld id="{21B0A09D-5CD9-4608-83B4-ECF306C3F64F}" type="slidenum">
+              <a:rPr lang="de-DE" smtClean="0"/>
+              <a:t>8</a:t>
+            </a:fld>
+            <a:endParaRPr lang="de-DE"/>
+          </a:p>
+        </p:txBody>
+      </p:sp>
+    </p:spTree>
+    <p:extLst>
+      <p:ext uri="{BB962C8B-B14F-4D97-AF65-F5344CB8AC3E}">
+        <p14:creationId xmlns:p14="http://schemas.microsoft.com/office/powerpoint/2010/main" val="2265960010"/>
+      </p:ext>
+    </p:extLst>
+  </p:cSld>
+  <p:clrMapOvr>
+    <a:masterClrMapping/>
+  </p:clrMapOvr>
+</p:sld>
+</file>
+
+<file path=ppt/slides/slide9.xml><?xml version="1.0" encoding="utf-8"?>
+<p:sld xmlns:a="http://schemas.openxmlformats.org/drawingml/2006/main" xmlns:r="http://schemas.openxmlformats.org/officeDocument/2006/relationships" xmlns:p="http://schemas.openxmlformats.org/presentationml/2006/main">
+  <p:cSld>
+    <p:spTree>
+      <p:nvGrpSpPr>
+        <p:cNvPr id="1" name=""/>
+        <p:cNvGrpSpPr/>
+        <p:nvPr/>
+      </p:nvGrpSpPr>
+      <p:grpSpPr>
+        <a:xfrm>
+          <a:off x="0" y="0"/>
+          <a:ext cx="0" cy="0"/>
+          <a:chOff x="0" y="0"/>
+          <a:chExt cx="0" cy="0"/>
+        </a:xfrm>
+      </p:grpSpPr>
+      <p:sp>
+        <p:nvSpPr>
+          <p:cNvPr id="2" name="Titel 1">
+            <a:extLst>
+              <a:ext uri="{FF2B5EF4-FFF2-40B4-BE49-F238E27FC236}">
                 <a16:creationId xmlns:a16="http://schemas.microsoft.com/office/drawing/2014/main" id="{1693B30C-57C8-68EC-D74D-F308018E4006}"/>
               </a:ext>
             </a:extLst>
@@ -5337,7 +5568,7 @@
           <a:p>
             <a:r>
               <a:rPr lang="de-DE"/>
-              <a:t>2025-01-13</a:t>
+              <a:t>2025-02-24</a:t>
             </a:r>
           </a:p>
         </p:txBody>
@@ -5393,7 +5624,7 @@
           <a:p>
             <a:fld id="{21B0A09D-5CD9-4608-83B4-ECF306C3F64F}" type="slidenum">
               <a:rPr lang="de-DE" smtClean="0"/>
-              <a:t>8</a:t>
+              <a:t>9</a:t>
             </a:fld>
             <a:endParaRPr lang="de-DE"/>
           </a:p>

--- a/doc/Astropy-and-Friends.pptx
+++ b/doc/Astropy-and-Friends.pptx
@@ -4318,7 +4318,7 @@
             </a:r>
             <a:r>
               <a:rPr lang="de-DE" dirty="0"/>
-              <a:t> kann Größengleichungen</a:t>
+              <a:t> kann Größengleichungen!</a:t>
             </a:r>
           </a:p>
           <a:p>
@@ -5373,7 +5373,148 @@
           <a:bodyPr/>
           <a:lstStyle/>
           <a:p>
-            <a:endParaRPr lang="de-DE"/>
+            <a:r>
+              <a:rPr lang="de-DE" dirty="0"/>
+              <a:t>FITS-Daten werden umfangreich unterstützt, lesen/schreiben, auch Cloud Storage</a:t>
+            </a:r>
+          </a:p>
+          <a:p>
+            <a:r>
+              <a:rPr lang="de-DE" dirty="0" err="1"/>
+              <a:t>astropy.io.fits</a:t>
+            </a:r>
+            <a:endParaRPr lang="de-DE" dirty="0"/>
+          </a:p>
+          <a:p>
+            <a:r>
+              <a:rPr lang="de-DE" dirty="0"/>
+              <a:t>Unterstützt auch diverse etablierte Work-</a:t>
+            </a:r>
+            <a:r>
+              <a:rPr lang="de-DE" dirty="0" err="1"/>
+              <a:t>arounds</a:t>
+            </a:r>
+            <a:r>
+              <a:rPr lang="de-DE" dirty="0"/>
+              <a:t> wie 16 </a:t>
+            </a:r>
+            <a:r>
+              <a:rPr lang="de-DE" dirty="0" err="1"/>
+              <a:t>bit</a:t>
+            </a:r>
+            <a:r>
+              <a:rPr lang="de-DE" dirty="0"/>
+              <a:t> </a:t>
+            </a:r>
+            <a:r>
+              <a:rPr lang="de-DE" dirty="0" err="1"/>
+              <a:t>unsigned</a:t>
+            </a:r>
+            <a:r>
+              <a:rPr lang="de-DE" dirty="0"/>
+              <a:t> </a:t>
+            </a:r>
+            <a:r>
+              <a:rPr lang="de-DE" dirty="0" err="1"/>
+              <a:t>int</a:t>
+            </a:r>
+            <a:endParaRPr lang="de-DE" dirty="0"/>
+          </a:p>
+          <a:p>
+            <a:r>
+              <a:rPr lang="de-DE" dirty="0"/>
+              <a:t>Struktur</a:t>
+            </a:r>
+          </a:p>
+          <a:p>
+            <a:pPr lvl="1"/>
+            <a:r>
+              <a:rPr lang="de-DE" dirty="0"/>
+              <a:t>(List </a:t>
+            </a:r>
+            <a:r>
+              <a:rPr lang="de-DE" dirty="0" err="1"/>
+              <a:t>of</a:t>
+            </a:r>
+            <a:r>
+              <a:rPr lang="de-DE" dirty="0"/>
+              <a:t>) Header Data Units</a:t>
+            </a:r>
+          </a:p>
+          <a:p>
+            <a:pPr lvl="2"/>
+            <a:r>
+              <a:rPr lang="de-DE" dirty="0"/>
+              <a:t>Header	(inkl. WCS </a:t>
+            </a:r>
+            <a:r>
+              <a:rPr lang="de-DE" dirty="0">
+                <a:sym typeface="Wingdings" panose="05000000000000000000" pitchFamily="2" charset="2"/>
+              </a:rPr>
+              <a:t> </a:t>
+            </a:r>
+            <a:r>
+              <a:rPr lang="de-DE" dirty="0" err="1">
+                <a:sym typeface="Wingdings" panose="05000000000000000000" pitchFamily="2" charset="2"/>
+              </a:rPr>
+              <a:t>astropy.wcs</a:t>
+            </a:r>
+            <a:r>
+              <a:rPr lang="de-DE" dirty="0">
+                <a:sym typeface="Wingdings" panose="05000000000000000000" pitchFamily="2" charset="2"/>
+              </a:rPr>
+              <a:t>)</a:t>
+            </a:r>
+            <a:endParaRPr lang="de-DE" dirty="0"/>
+          </a:p>
+          <a:p>
+            <a:pPr lvl="2"/>
+            <a:r>
+              <a:rPr lang="de-DE" dirty="0"/>
+              <a:t>Data	(als </a:t>
+            </a:r>
+            <a:r>
+              <a:rPr lang="de-DE" dirty="0" err="1"/>
+              <a:t>numpy</a:t>
+            </a:r>
+            <a:r>
+              <a:rPr lang="de-DE" dirty="0"/>
+              <a:t> Array)</a:t>
+            </a:r>
+          </a:p>
+          <a:p>
+            <a:pPr lvl="2"/>
+            <a:endParaRPr lang="de-DE" dirty="0"/>
+          </a:p>
+          <a:p>
+            <a:r>
+              <a:rPr lang="de-DE" dirty="0"/>
+              <a:t>Leider gibt es keinen Support für XISF-Files (PixInsight)</a:t>
+            </a:r>
+          </a:p>
+          <a:p>
+            <a:r>
+              <a:rPr lang="de-DE" dirty="0"/>
+              <a:t>Web-Recherche liefert nur dieses Projekt: </a:t>
+            </a:r>
+            <a:r>
+              <a:rPr lang="de-DE" dirty="0">
+                <a:hlinkClick r:id="rId2"/>
+              </a:rPr>
+              <a:t>https://github.com/sergio-dr/xisf</a:t>
+            </a:r>
+            <a:r>
+              <a:rPr lang="de-DE" dirty="0"/>
+              <a:t> (stand-</a:t>
+            </a:r>
+            <a:r>
+              <a:rPr lang="de-DE" dirty="0" err="1"/>
+              <a:t>alone</a:t>
+            </a:r>
+            <a:r>
+              <a:rPr lang="de-DE" dirty="0"/>
+              <a:t>)</a:t>
+            </a:r>
           </a:p>
         </p:txBody>
       </p:sp>
@@ -5541,7 +5682,98 @@
           <a:bodyPr/>
           <a:lstStyle/>
           <a:p>
-            <a:endParaRPr lang="de-DE"/>
+            <a:r>
+              <a:rPr lang="de-DE" dirty="0"/>
+              <a:t>Zugriff auf astronomische Kataloge und vieles mehr erfordert </a:t>
+            </a:r>
+            <a:r>
+              <a:rPr lang="de-DE" dirty="0" err="1"/>
+              <a:t>Astroquery</a:t>
+            </a:r>
+            <a:endParaRPr lang="de-DE" dirty="0"/>
+          </a:p>
+          <a:p>
+            <a:r>
+              <a:rPr lang="de-DE" dirty="0" err="1"/>
+              <a:t>astroquery.alma</a:t>
+            </a:r>
+            <a:r>
+              <a:rPr lang="de-DE" dirty="0"/>
+              <a:t> … </a:t>
+            </a:r>
+            <a:r>
+              <a:rPr lang="de-DE" dirty="0" err="1"/>
+              <a:t>astroquery.mpc</a:t>
+            </a:r>
+            <a:r>
+              <a:rPr lang="de-DE" dirty="0"/>
+              <a:t> … </a:t>
+            </a:r>
+            <a:r>
+              <a:rPr lang="de-DE" dirty="0" err="1"/>
+              <a:t>astroquery.simbad</a:t>
+            </a:r>
+            <a:r>
+              <a:rPr lang="de-DE" dirty="0"/>
+              <a:t> … </a:t>
+            </a:r>
+            <a:r>
+              <a:rPr lang="de-DE" dirty="0" err="1"/>
+              <a:t>astroquery.vizier</a:t>
+            </a:r>
+            <a:r>
+              <a:rPr lang="de-DE" dirty="0"/>
+              <a:t> … </a:t>
+            </a:r>
+            <a:r>
+              <a:rPr lang="de-DE" dirty="0" err="1"/>
+              <a:t>astroquery.xmatch</a:t>
+            </a:r>
+            <a:endParaRPr lang="de-DE" dirty="0"/>
+          </a:p>
+          <a:p>
+            <a:endParaRPr lang="de-DE" dirty="0"/>
+          </a:p>
+          <a:p>
+            <a:r>
+              <a:rPr lang="de-DE"/>
+              <a:t>Anwendungsbeispiele:</a:t>
+            </a:r>
+            <a:endParaRPr lang="de-DE" dirty="0"/>
+          </a:p>
+          <a:p>
+            <a:pPr lvl="1"/>
+            <a:r>
+              <a:rPr lang="de-DE" dirty="0"/>
+              <a:t>MPC für </a:t>
+            </a:r>
+            <a:r>
+              <a:rPr lang="de-DE" dirty="0" err="1"/>
+              <a:t>Sterwartenlokationen</a:t>
+            </a:r>
+            <a:endParaRPr lang="de-DE" dirty="0"/>
+          </a:p>
+          <a:p>
+            <a:pPr lvl="1"/>
+            <a:r>
+              <a:rPr lang="de-DE" dirty="0" err="1"/>
+              <a:t>Simbad</a:t>
+            </a:r>
+            <a:r>
+              <a:rPr lang="de-DE" dirty="0"/>
+              <a:t> für Objektdaten</a:t>
+            </a:r>
+          </a:p>
+          <a:p>
+            <a:pPr lvl="1"/>
+            <a:r>
+              <a:rPr lang="de-DE" dirty="0" err="1"/>
+              <a:t>VizieR</a:t>
+            </a:r>
+            <a:r>
+              <a:rPr lang="de-DE" dirty="0"/>
+              <a:t> für Zugriff auf Katalog</a:t>
+            </a:r>
           </a:p>
         </p:txBody>
       </p:sp>

--- a/doc/Astropy-and-Friends.pptx
+++ b/doc/Astropy-and-Friends.pptx
@@ -5,7 +5,7 @@
     <p:sldMasterId id="2147483660" r:id="rId1"/>
   </p:sldMasterIdLst>
   <p:notesMasterIdLst>
-    <p:notesMasterId r:id="rId11"/>
+    <p:notesMasterId r:id="rId12"/>
   </p:notesMasterIdLst>
   <p:sldIdLst>
     <p:sldId id="256" r:id="rId2"/>
@@ -17,6 +17,7 @@
     <p:sldId id="259" r:id="rId8"/>
     <p:sldId id="261" r:id="rId9"/>
     <p:sldId id="262" r:id="rId10"/>
+    <p:sldId id="265" r:id="rId11"/>
   </p:sldIdLst>
   <p:sldSz cx="12192000" cy="6858000"/>
   <p:notesSz cx="6858000" cy="9144000"/>
@@ -2643,6 +2644,230 @@
 </p:sld>
 </file>
 
+<file path=ppt/slides/slide10.xml><?xml version="1.0" encoding="utf-8"?>
+<p:sld xmlns:a="http://schemas.openxmlformats.org/drawingml/2006/main" xmlns:r="http://schemas.openxmlformats.org/officeDocument/2006/relationships" xmlns:p="http://schemas.openxmlformats.org/presentationml/2006/main">
+  <p:cSld>
+    <p:spTree>
+      <p:nvGrpSpPr>
+        <p:cNvPr id="1" name=""/>
+        <p:cNvGrpSpPr/>
+        <p:nvPr/>
+      </p:nvGrpSpPr>
+      <p:grpSpPr>
+        <a:xfrm>
+          <a:off x="0" y="0"/>
+          <a:ext cx="0" cy="0"/>
+          <a:chOff x="0" y="0"/>
+          <a:chExt cx="0" cy="0"/>
+        </a:xfrm>
+      </p:grpSpPr>
+      <p:sp>
+        <p:nvSpPr>
+          <p:cNvPr id="2" name="Titel 1">
+            <a:extLst>
+              <a:ext uri="{FF2B5EF4-FFF2-40B4-BE49-F238E27FC236}">
+                <a16:creationId xmlns:a16="http://schemas.microsoft.com/office/drawing/2014/main" id="{2577FE00-CB8C-57F2-1DC9-A3C711084191}"/>
+              </a:ext>
+            </a:extLst>
+          </p:cNvPr>
+          <p:cNvSpPr>
+            <a:spLocks noGrp="1"/>
+          </p:cNvSpPr>
+          <p:nvPr>
+            <p:ph type="title"/>
+          </p:nvPr>
+        </p:nvSpPr>
+        <p:spPr/>
+        <p:txBody>
+          <a:bodyPr/>
+          <a:lstStyle/>
+          <a:p>
+            <a:r>
+              <a:rPr lang="de-DE" dirty="0"/>
+              <a:t>Docs</a:t>
+            </a:r>
+          </a:p>
+        </p:txBody>
+      </p:sp>
+      <p:sp>
+        <p:nvSpPr>
+          <p:cNvPr id="3" name="Inhaltsplatzhalter 2">
+            <a:extLst>
+              <a:ext uri="{FF2B5EF4-FFF2-40B4-BE49-F238E27FC236}">
+                <a16:creationId xmlns:a16="http://schemas.microsoft.com/office/drawing/2014/main" id="{408DE11D-103C-DD29-7DC9-293D13B5714B}"/>
+              </a:ext>
+            </a:extLst>
+          </p:cNvPr>
+          <p:cNvSpPr>
+            <a:spLocks noGrp="1"/>
+          </p:cNvSpPr>
+          <p:nvPr>
+            <p:ph idx="1"/>
+          </p:nvPr>
+        </p:nvSpPr>
+        <p:spPr/>
+        <p:txBody>
+          <a:bodyPr/>
+          <a:lstStyle/>
+          <a:p>
+            <a:r>
+              <a:rPr lang="de-DE" dirty="0" err="1"/>
+              <a:t>Astropy</a:t>
+            </a:r>
+            <a:endParaRPr lang="de-DE" dirty="0"/>
+          </a:p>
+          <a:p>
+            <a:pPr lvl="1"/>
+            <a:r>
+              <a:rPr lang="de-DE" dirty="0">
+                <a:hlinkClick r:id="rId2"/>
+              </a:rPr>
+              <a:t>https://docs.astropy.org/en/stable/</a:t>
+            </a:r>
+            <a:r>
+              <a:rPr lang="de-DE" dirty="0"/>
+              <a:t> </a:t>
+            </a:r>
+          </a:p>
+          <a:p>
+            <a:r>
+              <a:rPr lang="de-DE" dirty="0" err="1"/>
+              <a:t>Astroquery</a:t>
+            </a:r>
+            <a:endParaRPr lang="de-DE" dirty="0"/>
+          </a:p>
+          <a:p>
+            <a:pPr lvl="1"/>
+            <a:r>
+              <a:rPr lang="de-DE" dirty="0">
+                <a:hlinkClick r:id="rId3"/>
+              </a:rPr>
+              <a:t>https://astroquery.readthedocs.io/en/latest/</a:t>
+            </a:r>
+            <a:r>
+              <a:rPr lang="de-DE" dirty="0"/>
+              <a:t> </a:t>
+            </a:r>
+          </a:p>
+          <a:p>
+            <a:r>
+              <a:rPr lang="de-DE" dirty="0"/>
+              <a:t>Astroplan</a:t>
+            </a:r>
+          </a:p>
+          <a:p>
+            <a:pPr lvl="1"/>
+            <a:r>
+              <a:rPr lang="de-DE" dirty="0">
+                <a:hlinkClick r:id="rId4"/>
+              </a:rPr>
+              <a:t>https://astroplan.readthedocs.io/en/stable/</a:t>
+            </a:r>
+            <a:r>
+              <a:rPr lang="de-DE" dirty="0"/>
+              <a:t> </a:t>
+            </a:r>
+          </a:p>
+        </p:txBody>
+      </p:sp>
+      <p:sp>
+        <p:nvSpPr>
+          <p:cNvPr id="4" name="Datumsplatzhalter 3">
+            <a:extLst>
+              <a:ext uri="{FF2B5EF4-FFF2-40B4-BE49-F238E27FC236}">
+                <a16:creationId xmlns:a16="http://schemas.microsoft.com/office/drawing/2014/main" id="{9FE18B30-CB60-FCD0-707C-FBCBC0DF8545}"/>
+              </a:ext>
+            </a:extLst>
+          </p:cNvPr>
+          <p:cNvSpPr>
+            <a:spLocks noGrp="1"/>
+          </p:cNvSpPr>
+          <p:nvPr>
+            <p:ph type="dt" sz="half" idx="10"/>
+          </p:nvPr>
+        </p:nvSpPr>
+        <p:spPr/>
+        <p:txBody>
+          <a:bodyPr/>
+          <a:lstStyle/>
+          <a:p>
+            <a:r>
+              <a:rPr lang="de-DE"/>
+              <a:t>2025-02-24</a:t>
+            </a:r>
+          </a:p>
+        </p:txBody>
+      </p:sp>
+      <p:sp>
+        <p:nvSpPr>
+          <p:cNvPr id="5" name="Fußzeilenplatzhalter 4">
+            <a:extLst>
+              <a:ext uri="{FF2B5EF4-FFF2-40B4-BE49-F238E27FC236}">
+                <a16:creationId xmlns:a16="http://schemas.microsoft.com/office/drawing/2014/main" id="{1FB09A6A-DF3F-616B-12A3-EB22E0B25A19}"/>
+              </a:ext>
+            </a:extLst>
+          </p:cNvPr>
+          <p:cNvSpPr>
+            <a:spLocks noGrp="1"/>
+          </p:cNvSpPr>
+          <p:nvPr>
+            <p:ph type="ftr" sz="quarter" idx="11"/>
+          </p:nvPr>
+        </p:nvSpPr>
+        <p:spPr/>
+        <p:txBody>
+          <a:bodyPr/>
+          <a:lstStyle/>
+          <a:p>
+            <a:r>
+              <a:rPr lang="de-DE"/>
+              <a:t>Astropy &amp; Friends / Dr. Martin Junius</a:t>
+            </a:r>
+          </a:p>
+        </p:txBody>
+      </p:sp>
+      <p:sp>
+        <p:nvSpPr>
+          <p:cNvPr id="6" name="Foliennummernplatzhalter 5">
+            <a:extLst>
+              <a:ext uri="{FF2B5EF4-FFF2-40B4-BE49-F238E27FC236}">
+                <a16:creationId xmlns:a16="http://schemas.microsoft.com/office/drawing/2014/main" id="{A2E497CF-1663-C801-1F2B-DDBBF0BECD89}"/>
+              </a:ext>
+            </a:extLst>
+          </p:cNvPr>
+          <p:cNvSpPr>
+            <a:spLocks noGrp="1"/>
+          </p:cNvSpPr>
+          <p:nvPr>
+            <p:ph type="sldNum" sz="quarter" idx="12"/>
+          </p:nvPr>
+        </p:nvSpPr>
+        <p:spPr/>
+        <p:txBody>
+          <a:bodyPr/>
+          <a:lstStyle/>
+          <a:p>
+            <a:fld id="{21B0A09D-5CD9-4608-83B4-ECF306C3F64F}" type="slidenum">
+              <a:rPr lang="de-DE" smtClean="0"/>
+              <a:t>10</a:t>
+            </a:fld>
+            <a:endParaRPr lang="de-DE"/>
+          </a:p>
+        </p:txBody>
+      </p:sp>
+    </p:spTree>
+    <p:extLst>
+      <p:ext uri="{BB962C8B-B14F-4D97-AF65-F5344CB8AC3E}">
+        <p14:creationId xmlns:p14="http://schemas.microsoft.com/office/powerpoint/2010/main" val="3622610000"/>
+      </p:ext>
+    </p:extLst>
+  </p:cSld>
+  <p:clrMapOvr>
+    <a:masterClrMapping/>
+  </p:clrMapOvr>
+</p:sld>
+</file>
+
 <file path=ppt/slides/slide2.xml><?xml version="1.0" encoding="utf-8"?>
 <p:sld xmlns:a="http://schemas.openxmlformats.org/drawingml/2006/main" xmlns:r="http://schemas.openxmlformats.org/officeDocument/2006/relationships" xmlns:p="http://schemas.openxmlformats.org/presentationml/2006/main">
   <p:cSld>
@@ -5736,10 +5961,9 @@
           </a:p>
           <a:p>
             <a:r>
-              <a:rPr lang="de-DE"/>
+              <a:rPr lang="de-DE" dirty="0"/>
               <a:t>Anwendungsbeispiele:</a:t>
             </a:r>
-            <a:endParaRPr lang="de-DE" dirty="0"/>
           </a:p>
           <a:p>
             <a:pPr lvl="1"/>

--- a/doc/Astropy-and-Friends.pptx
+++ b/doc/Astropy-and-Friends.pptx
@@ -5,7 +5,7 @@
     <p:sldMasterId id="2147483660" r:id="rId1"/>
   </p:sldMasterIdLst>
   <p:notesMasterIdLst>
-    <p:notesMasterId r:id="rId12"/>
+    <p:notesMasterId r:id="rId13"/>
   </p:notesMasterIdLst>
   <p:sldIdLst>
     <p:sldId id="256" r:id="rId2"/>
@@ -15,9 +15,10 @@
     <p:sldId id="264" r:id="rId6"/>
     <p:sldId id="258" r:id="rId7"/>
     <p:sldId id="259" r:id="rId8"/>
-    <p:sldId id="261" r:id="rId9"/>
-    <p:sldId id="262" r:id="rId10"/>
-    <p:sldId id="265" r:id="rId11"/>
+    <p:sldId id="266" r:id="rId9"/>
+    <p:sldId id="261" r:id="rId10"/>
+    <p:sldId id="262" r:id="rId11"/>
+    <p:sldId id="265" r:id="rId12"/>
   </p:sldIdLst>
   <p:sldSz cx="12192000" cy="6858000"/>
   <p:notesSz cx="6858000" cy="9144000"/>
@@ -217,7 +218,7 @@
           <a:p>
             <a:fld id="{F98456CD-C349-48CA-A8E4-556409A2B3C5}" type="datetimeFigureOut">
               <a:rPr lang="de-DE" smtClean="0"/>
-              <a:t>10.02.2025</a:t>
+              <a:t>12.02.2025</a:t>
             </a:fld>
             <a:endParaRPr lang="de-DE"/>
           </a:p>
@@ -2666,6 +2667,264 @@
           <p:cNvPr id="2" name="Titel 1">
             <a:extLst>
               <a:ext uri="{FF2B5EF4-FFF2-40B4-BE49-F238E27FC236}">
+                <a16:creationId xmlns:a16="http://schemas.microsoft.com/office/drawing/2014/main" id="{1693B30C-57C8-68EC-D74D-F308018E4006}"/>
+              </a:ext>
+            </a:extLst>
+          </p:cNvPr>
+          <p:cNvSpPr>
+            <a:spLocks noGrp="1"/>
+          </p:cNvSpPr>
+          <p:nvPr>
+            <p:ph type="title"/>
+          </p:nvPr>
+        </p:nvSpPr>
+        <p:spPr/>
+        <p:txBody>
+          <a:bodyPr/>
+          <a:lstStyle/>
+          <a:p>
+            <a:r>
+              <a:rPr lang="de-DE" dirty="0"/>
+              <a:t>Kataloge</a:t>
+            </a:r>
+          </a:p>
+        </p:txBody>
+      </p:sp>
+      <p:sp>
+        <p:nvSpPr>
+          <p:cNvPr id="3" name="Inhaltsplatzhalter 2">
+            <a:extLst>
+              <a:ext uri="{FF2B5EF4-FFF2-40B4-BE49-F238E27FC236}">
+                <a16:creationId xmlns:a16="http://schemas.microsoft.com/office/drawing/2014/main" id="{3A0B0F71-51CF-1D6B-9FA6-233EB77CE0BE}"/>
+              </a:ext>
+            </a:extLst>
+          </p:cNvPr>
+          <p:cNvSpPr>
+            <a:spLocks noGrp="1"/>
+          </p:cNvSpPr>
+          <p:nvPr>
+            <p:ph idx="1"/>
+          </p:nvPr>
+        </p:nvSpPr>
+        <p:spPr/>
+        <p:txBody>
+          <a:bodyPr/>
+          <a:lstStyle/>
+          <a:p>
+            <a:r>
+              <a:rPr lang="de-DE" dirty="0"/>
+              <a:t>Zugriff auf astronomische Kataloge und vieles mehr erfordert </a:t>
+            </a:r>
+            <a:r>
+              <a:rPr lang="de-DE" dirty="0" err="1"/>
+              <a:t>Astroquery</a:t>
+            </a:r>
+            <a:endParaRPr lang="de-DE" dirty="0"/>
+          </a:p>
+          <a:p>
+            <a:r>
+              <a:rPr lang="de-DE" dirty="0" err="1"/>
+              <a:t>astroquery.alma</a:t>
+            </a:r>
+            <a:r>
+              <a:rPr lang="de-DE" dirty="0"/>
+              <a:t> … </a:t>
+            </a:r>
+            <a:r>
+              <a:rPr lang="de-DE" dirty="0" err="1"/>
+              <a:t>astroquery.mpc</a:t>
+            </a:r>
+            <a:r>
+              <a:rPr lang="de-DE" dirty="0"/>
+              <a:t> … </a:t>
+            </a:r>
+            <a:r>
+              <a:rPr lang="de-DE" dirty="0" err="1"/>
+              <a:t>astroquery.simbad</a:t>
+            </a:r>
+            <a:r>
+              <a:rPr lang="de-DE" dirty="0"/>
+              <a:t> … </a:t>
+            </a:r>
+            <a:r>
+              <a:rPr lang="de-DE" dirty="0" err="1"/>
+              <a:t>astroquery.vizier</a:t>
+            </a:r>
+            <a:r>
+              <a:rPr lang="de-DE" dirty="0"/>
+              <a:t> … </a:t>
+            </a:r>
+            <a:r>
+              <a:rPr lang="de-DE" dirty="0" err="1"/>
+              <a:t>astroquery.xmatch</a:t>
+            </a:r>
+            <a:endParaRPr lang="de-DE" dirty="0"/>
+          </a:p>
+          <a:p>
+            <a:endParaRPr lang="de-DE" dirty="0"/>
+          </a:p>
+          <a:p>
+            <a:r>
+              <a:rPr lang="de-DE" dirty="0"/>
+              <a:t>Anwendungsbeispiele:</a:t>
+            </a:r>
+          </a:p>
+          <a:p>
+            <a:pPr lvl="1"/>
+            <a:r>
+              <a:rPr lang="de-DE" dirty="0"/>
+              <a:t>MPC für </a:t>
+            </a:r>
+            <a:r>
+              <a:rPr lang="de-DE" dirty="0" err="1"/>
+              <a:t>Sterwartenlokationen</a:t>
+            </a:r>
+            <a:endParaRPr lang="de-DE" dirty="0"/>
+          </a:p>
+          <a:p>
+            <a:pPr lvl="1"/>
+            <a:r>
+              <a:rPr lang="de-DE" dirty="0" err="1"/>
+              <a:t>Simbad</a:t>
+            </a:r>
+            <a:r>
+              <a:rPr lang="de-DE" dirty="0"/>
+              <a:t> für Objektdaten</a:t>
+            </a:r>
+          </a:p>
+          <a:p>
+            <a:pPr lvl="1"/>
+            <a:r>
+              <a:rPr lang="de-DE" dirty="0" err="1"/>
+              <a:t>VizieR</a:t>
+            </a:r>
+            <a:r>
+              <a:rPr lang="de-DE" dirty="0"/>
+              <a:t> für Zugriff auf Katalog</a:t>
+            </a:r>
+          </a:p>
+        </p:txBody>
+      </p:sp>
+      <p:sp>
+        <p:nvSpPr>
+          <p:cNvPr id="4" name="Datumsplatzhalter 3">
+            <a:extLst>
+              <a:ext uri="{FF2B5EF4-FFF2-40B4-BE49-F238E27FC236}">
+                <a16:creationId xmlns:a16="http://schemas.microsoft.com/office/drawing/2014/main" id="{016264F1-117F-19C2-57E5-38D0EE8DBD82}"/>
+              </a:ext>
+            </a:extLst>
+          </p:cNvPr>
+          <p:cNvSpPr>
+            <a:spLocks noGrp="1"/>
+          </p:cNvSpPr>
+          <p:nvPr>
+            <p:ph type="dt" sz="half" idx="10"/>
+          </p:nvPr>
+        </p:nvSpPr>
+        <p:spPr/>
+        <p:txBody>
+          <a:bodyPr/>
+          <a:lstStyle/>
+          <a:p>
+            <a:r>
+              <a:rPr lang="de-DE"/>
+              <a:t>2025-02-24</a:t>
+            </a:r>
+          </a:p>
+        </p:txBody>
+      </p:sp>
+      <p:sp>
+        <p:nvSpPr>
+          <p:cNvPr id="5" name="Fußzeilenplatzhalter 4">
+            <a:extLst>
+              <a:ext uri="{FF2B5EF4-FFF2-40B4-BE49-F238E27FC236}">
+                <a16:creationId xmlns:a16="http://schemas.microsoft.com/office/drawing/2014/main" id="{416CFD34-CF2D-D3B7-7E34-5F7A55D8A7DA}"/>
+              </a:ext>
+            </a:extLst>
+          </p:cNvPr>
+          <p:cNvSpPr>
+            <a:spLocks noGrp="1"/>
+          </p:cNvSpPr>
+          <p:nvPr>
+            <p:ph type="ftr" sz="quarter" idx="11"/>
+          </p:nvPr>
+        </p:nvSpPr>
+        <p:spPr/>
+        <p:txBody>
+          <a:bodyPr/>
+          <a:lstStyle/>
+          <a:p>
+            <a:r>
+              <a:rPr lang="de-DE"/>
+              <a:t>Astropy &amp; Friends / Dr. Martin Junius</a:t>
+            </a:r>
+          </a:p>
+        </p:txBody>
+      </p:sp>
+      <p:sp>
+        <p:nvSpPr>
+          <p:cNvPr id="6" name="Foliennummernplatzhalter 5">
+            <a:extLst>
+              <a:ext uri="{FF2B5EF4-FFF2-40B4-BE49-F238E27FC236}">
+                <a16:creationId xmlns:a16="http://schemas.microsoft.com/office/drawing/2014/main" id="{2105AC5D-98A6-26DC-6840-459747918D72}"/>
+              </a:ext>
+            </a:extLst>
+          </p:cNvPr>
+          <p:cNvSpPr>
+            <a:spLocks noGrp="1"/>
+          </p:cNvSpPr>
+          <p:nvPr>
+            <p:ph type="sldNum" sz="quarter" idx="12"/>
+          </p:nvPr>
+        </p:nvSpPr>
+        <p:spPr/>
+        <p:txBody>
+          <a:bodyPr/>
+          <a:lstStyle/>
+          <a:p>
+            <a:fld id="{21B0A09D-5CD9-4608-83B4-ECF306C3F64F}" type="slidenum">
+              <a:rPr lang="de-DE" smtClean="0"/>
+              <a:t>10</a:t>
+            </a:fld>
+            <a:endParaRPr lang="de-DE"/>
+          </a:p>
+        </p:txBody>
+      </p:sp>
+    </p:spTree>
+    <p:extLst>
+      <p:ext uri="{BB962C8B-B14F-4D97-AF65-F5344CB8AC3E}">
+        <p14:creationId xmlns:p14="http://schemas.microsoft.com/office/powerpoint/2010/main" val="3220133569"/>
+      </p:ext>
+    </p:extLst>
+  </p:cSld>
+  <p:clrMapOvr>
+    <a:masterClrMapping/>
+  </p:clrMapOvr>
+</p:sld>
+</file>
+
+<file path=ppt/slides/slide11.xml><?xml version="1.0" encoding="utf-8"?>
+<p:sld xmlns:a="http://schemas.openxmlformats.org/drawingml/2006/main" xmlns:r="http://schemas.openxmlformats.org/officeDocument/2006/relationships" xmlns:p="http://schemas.openxmlformats.org/presentationml/2006/main">
+  <p:cSld>
+    <p:spTree>
+      <p:nvGrpSpPr>
+        <p:cNvPr id="1" name=""/>
+        <p:cNvGrpSpPr/>
+        <p:nvPr/>
+      </p:nvGrpSpPr>
+      <p:grpSpPr>
+        <a:xfrm>
+          <a:off x="0" y="0"/>
+          <a:ext cx="0" cy="0"/>
+          <a:chOff x="0" y="0"/>
+          <a:chExt cx="0" cy="0"/>
+        </a:xfrm>
+      </p:grpSpPr>
+      <p:sp>
+        <p:nvSpPr>
+          <p:cNvPr id="2" name="Titel 1">
+            <a:extLst>
+              <a:ext uri="{FF2B5EF4-FFF2-40B4-BE49-F238E27FC236}">
                 <a16:creationId xmlns:a16="http://schemas.microsoft.com/office/drawing/2014/main" id="{2577FE00-CB8C-57F2-1DC9-A3C711084191}"/>
               </a:ext>
             </a:extLst>
@@ -2849,7 +3108,7 @@
           <a:p>
             <a:fld id="{21B0A09D-5CD9-4608-83B4-ECF306C3F64F}" type="slidenum">
               <a:rPr lang="de-DE" smtClean="0"/>
-              <a:t>10</a:t>
+              <a:t>11</a:t>
             </a:fld>
             <a:endParaRPr lang="de-DE"/>
           </a:p>
@@ -5317,7 +5576,7 @@
             </a:br>
             <a:r>
               <a:rPr lang="de-DE" dirty="0"/>
-              <a:t>ICRS/ICRF,  J2000/FK5, B1950/FK4, „JNOW“/FK5</a:t>
+              <a:t>ICRS/ICRF,  J2000/FK5, B1950/FK4</a:t>
             </a:r>
           </a:p>
           <a:p>
@@ -5554,7 +5813,7 @@
           <p:cNvPr id="2" name="Titel 1">
             <a:extLst>
               <a:ext uri="{FF2B5EF4-FFF2-40B4-BE49-F238E27FC236}">
-                <a16:creationId xmlns:a16="http://schemas.microsoft.com/office/drawing/2014/main" id="{3D674A9C-707F-833A-724B-52433A948889}"/>
+                <a16:creationId xmlns:a16="http://schemas.microsoft.com/office/drawing/2014/main" id="{D6E29E87-9F7F-EA58-9562-98256E760818}"/>
               </a:ext>
             </a:extLst>
           </p:cNvPr>
@@ -5572,7 +5831,7 @@
           <a:p>
             <a:r>
               <a:rPr lang="de-DE" dirty="0"/>
-              <a:t>FITS</a:t>
+              <a:t>Beobachtungen planen</a:t>
             </a:r>
           </a:p>
         </p:txBody>
@@ -5582,7 +5841,7 @@
           <p:cNvPr id="3" name="Inhaltsplatzhalter 2">
             <a:extLst>
               <a:ext uri="{FF2B5EF4-FFF2-40B4-BE49-F238E27FC236}">
-                <a16:creationId xmlns:a16="http://schemas.microsoft.com/office/drawing/2014/main" id="{36BF6006-2D32-9698-025A-E1A76CF1C967}"/>
+                <a16:creationId xmlns:a16="http://schemas.microsoft.com/office/drawing/2014/main" id="{720D5259-7541-959B-7CF9-4E8170763534}"/>
               </a:ext>
             </a:extLst>
           </p:cNvPr>
@@ -5600,146 +5859,74 @@
           <a:p>
             <a:r>
               <a:rPr lang="de-DE" dirty="0"/>
-              <a:t>FITS-Daten werden umfangreich unterstützt, lesen/schreiben, auch Cloud Storage</a:t>
-            </a:r>
-          </a:p>
-          <a:p>
+              <a:t>Astroplan – der Name ist Programm</a:t>
+            </a:r>
+          </a:p>
+          <a:p>
+            <a:r>
+              <a:rPr lang="de-DE" dirty="0"/>
+              <a:t>Ergänzendes Paket zu </a:t>
+            </a:r>
             <a:r>
               <a:rPr lang="de-DE" dirty="0" err="1"/>
-              <a:t>astropy.io.fits</a:t>
-            </a:r>
+              <a:t>Astropy</a:t>
+            </a:r>
+            <a:r>
+              <a:rPr lang="de-DE" dirty="0"/>
+              <a:t>, Baukasten für Beobachtungsplanung und Scheduling</a:t>
+            </a:r>
+          </a:p>
+          <a:p>
+            <a:r>
+              <a:rPr lang="de-DE" dirty="0"/>
+              <a:t>… und viele nützliche Funktionen, wenn man Auf- und Untergangszeiten, den Meridiandurchgang und vieles mehr von Objekten ermitteln möchte</a:t>
+            </a:r>
+          </a:p>
+          <a:p>
             <a:endParaRPr lang="de-DE" dirty="0"/>
           </a:p>
           <a:p>
             <a:r>
               <a:rPr lang="de-DE" dirty="0"/>
-              <a:t>Unterstützt auch diverse etablierte Work-</a:t>
-            </a:r>
+              <a:t>astroplan, wesentliche Klassen:</a:t>
+            </a:r>
+          </a:p>
+          <a:p>
+            <a:pPr lvl="1"/>
             <a:r>
               <a:rPr lang="de-DE" dirty="0" err="1"/>
-              <a:t>arounds</a:t>
-            </a:r>
-            <a:r>
-              <a:rPr lang="de-DE" dirty="0"/>
-              <a:t> wie 16 </a:t>
-            </a:r>
+              <a:t>FixedTarget</a:t>
+            </a:r>
+            <a:r>
+              <a:rPr lang="de-DE" dirty="0"/>
+              <a:t> – Objekt, das „fest“ am Himmel steht</a:t>
+            </a:r>
+          </a:p>
+          <a:p>
+            <a:pPr lvl="1"/>
+            <a:r>
+              <a:rPr lang="de-DE" dirty="0"/>
+              <a:t>Observer – Beobachterlokation und Umweltbedingungen (für Refraktion)</a:t>
+            </a:r>
+          </a:p>
+          <a:p>
             <a:r>
               <a:rPr lang="de-DE" dirty="0" err="1"/>
-              <a:t>bit</a:t>
-            </a:r>
-            <a:r>
-              <a:rPr lang="de-DE" dirty="0"/>
-              <a:t> </a:t>
+              <a:t>astroplan.plot</a:t>
+            </a:r>
+            <a:endParaRPr lang="de-DE" dirty="0"/>
+          </a:p>
+          <a:p>
+            <a:pPr lvl="1"/>
+            <a:r>
+              <a:rPr lang="de-DE" dirty="0"/>
+              <a:t>Erstellt diverse Grafiken mit </a:t>
             </a:r>
             <a:r>
               <a:rPr lang="de-DE" dirty="0" err="1"/>
-              <a:t>unsigned</a:t>
-            </a:r>
-            <a:r>
-              <a:rPr lang="de-DE" dirty="0"/>
-              <a:t> </a:t>
-            </a:r>
-            <a:r>
-              <a:rPr lang="de-DE" dirty="0" err="1"/>
-              <a:t>int</a:t>
+              <a:t>matplotlib</a:t>
             </a:r>
             <a:endParaRPr lang="de-DE" dirty="0"/>
-          </a:p>
-          <a:p>
-            <a:r>
-              <a:rPr lang="de-DE" dirty="0"/>
-              <a:t>Struktur</a:t>
-            </a:r>
-          </a:p>
-          <a:p>
-            <a:pPr lvl="1"/>
-            <a:r>
-              <a:rPr lang="de-DE" dirty="0"/>
-              <a:t>(List </a:t>
-            </a:r>
-            <a:r>
-              <a:rPr lang="de-DE" dirty="0" err="1"/>
-              <a:t>of</a:t>
-            </a:r>
-            <a:r>
-              <a:rPr lang="de-DE" dirty="0"/>
-              <a:t>) Header Data Units</a:t>
-            </a:r>
-          </a:p>
-          <a:p>
-            <a:pPr lvl="2"/>
-            <a:r>
-              <a:rPr lang="de-DE" dirty="0"/>
-              <a:t>Header	(inkl. WCS </a:t>
-            </a:r>
-            <a:r>
-              <a:rPr lang="de-DE" dirty="0">
-                <a:sym typeface="Wingdings" panose="05000000000000000000" pitchFamily="2" charset="2"/>
-              </a:rPr>
-              <a:t> </a:t>
-            </a:r>
-            <a:r>
-              <a:rPr lang="de-DE" dirty="0" err="1">
-                <a:sym typeface="Wingdings" panose="05000000000000000000" pitchFamily="2" charset="2"/>
-              </a:rPr>
-              <a:t>astropy.wcs</a:t>
-            </a:r>
-            <a:r>
-              <a:rPr lang="de-DE" dirty="0">
-                <a:sym typeface="Wingdings" panose="05000000000000000000" pitchFamily="2" charset="2"/>
-              </a:rPr>
-              <a:t>)</a:t>
-            </a:r>
-            <a:endParaRPr lang="de-DE" dirty="0"/>
-          </a:p>
-          <a:p>
-            <a:pPr lvl="2"/>
-            <a:r>
-              <a:rPr lang="de-DE" dirty="0"/>
-              <a:t>Data	(als </a:t>
-            </a:r>
-            <a:r>
-              <a:rPr lang="de-DE" dirty="0" err="1"/>
-              <a:t>numpy</a:t>
-            </a:r>
-            <a:r>
-              <a:rPr lang="de-DE" dirty="0"/>
-              <a:t> Array)</a:t>
-            </a:r>
-          </a:p>
-          <a:p>
-            <a:pPr lvl="2"/>
-            <a:endParaRPr lang="de-DE" dirty="0"/>
-          </a:p>
-          <a:p>
-            <a:r>
-              <a:rPr lang="de-DE" dirty="0"/>
-              <a:t>Leider gibt es keinen Support für XISF-Files (PixInsight)</a:t>
-            </a:r>
-          </a:p>
-          <a:p>
-            <a:r>
-              <a:rPr lang="de-DE" dirty="0"/>
-              <a:t>Web-Recherche liefert nur dieses Projekt: </a:t>
-            </a:r>
-            <a:r>
-              <a:rPr lang="de-DE" dirty="0">
-                <a:hlinkClick r:id="rId2"/>
-              </a:rPr>
-              <a:t>https://github.com/sergio-dr/xisf</a:t>
-            </a:r>
-            <a:r>
-              <a:rPr lang="de-DE" dirty="0"/>
-              <a:t> (stand-</a:t>
-            </a:r>
-            <a:r>
-              <a:rPr lang="de-DE" dirty="0" err="1"/>
-              <a:t>alone</a:t>
-            </a:r>
-            <a:r>
-              <a:rPr lang="de-DE" dirty="0"/>
-              <a:t>)</a:t>
-            </a:r>
           </a:p>
         </p:txBody>
       </p:sp>
@@ -5748,7 +5935,7 @@
           <p:cNvPr id="4" name="Datumsplatzhalter 3">
             <a:extLst>
               <a:ext uri="{FF2B5EF4-FFF2-40B4-BE49-F238E27FC236}">
-                <a16:creationId xmlns:a16="http://schemas.microsoft.com/office/drawing/2014/main" id="{620C78F1-8657-6FD2-D574-54016EAD5ED6}"/>
+                <a16:creationId xmlns:a16="http://schemas.microsoft.com/office/drawing/2014/main" id="{46BAC03D-9AB2-309D-7BFC-92C2E871DD4D}"/>
               </a:ext>
             </a:extLst>
           </p:cNvPr>
@@ -5776,7 +5963,7 @@
           <p:cNvPr id="5" name="Fußzeilenplatzhalter 4">
             <a:extLst>
               <a:ext uri="{FF2B5EF4-FFF2-40B4-BE49-F238E27FC236}">
-                <a16:creationId xmlns:a16="http://schemas.microsoft.com/office/drawing/2014/main" id="{FDBB23E2-E3F6-AC6E-844D-30FC75664057}"/>
+                <a16:creationId xmlns:a16="http://schemas.microsoft.com/office/drawing/2014/main" id="{1AFBA4D1-80A4-7511-61E1-7A0EBDFCAD18}"/>
               </a:ext>
             </a:extLst>
           </p:cNvPr>
@@ -5804,7 +5991,7 @@
           <p:cNvPr id="6" name="Foliennummernplatzhalter 5">
             <a:extLst>
               <a:ext uri="{FF2B5EF4-FFF2-40B4-BE49-F238E27FC236}">
-                <a16:creationId xmlns:a16="http://schemas.microsoft.com/office/drawing/2014/main" id="{C7D2E764-E718-9891-1ACB-F2CD7E3897B5}"/>
+                <a16:creationId xmlns:a16="http://schemas.microsoft.com/office/drawing/2014/main" id="{2492F8AF-4B4B-E09F-F7C8-46C451433039}"/>
               </a:ext>
             </a:extLst>
           </p:cNvPr>
@@ -5831,7 +6018,7 @@
     </p:spTree>
     <p:extLst>
       <p:ext uri="{BB962C8B-B14F-4D97-AF65-F5344CB8AC3E}">
-        <p14:creationId xmlns:p14="http://schemas.microsoft.com/office/powerpoint/2010/main" val="2265960010"/>
+        <p14:creationId xmlns:p14="http://schemas.microsoft.com/office/powerpoint/2010/main" val="282305030"/>
       </p:ext>
     </p:extLst>
   </p:cSld>
@@ -5863,7 +6050,7 @@
           <p:cNvPr id="2" name="Titel 1">
             <a:extLst>
               <a:ext uri="{FF2B5EF4-FFF2-40B4-BE49-F238E27FC236}">
-                <a16:creationId xmlns:a16="http://schemas.microsoft.com/office/drawing/2014/main" id="{1693B30C-57C8-68EC-D74D-F308018E4006}"/>
+                <a16:creationId xmlns:a16="http://schemas.microsoft.com/office/drawing/2014/main" id="{3D674A9C-707F-833A-724B-52433A948889}"/>
               </a:ext>
             </a:extLst>
           </p:cNvPr>
@@ -5881,7 +6068,7 @@
           <a:p>
             <a:r>
               <a:rPr lang="de-DE" dirty="0"/>
-              <a:t>Kataloge</a:t>
+              <a:t>FITS</a:t>
             </a:r>
           </a:p>
         </p:txBody>
@@ -5891,7 +6078,7 @@
           <p:cNvPr id="3" name="Inhaltsplatzhalter 2">
             <a:extLst>
               <a:ext uri="{FF2B5EF4-FFF2-40B4-BE49-F238E27FC236}">
-                <a16:creationId xmlns:a16="http://schemas.microsoft.com/office/drawing/2014/main" id="{3A0B0F71-51CF-1D6B-9FA6-233EB77CE0BE}"/>
+                <a16:creationId xmlns:a16="http://schemas.microsoft.com/office/drawing/2014/main" id="{36BF6006-2D32-9698-025A-E1A76CF1C967}"/>
               </a:ext>
             </a:extLst>
           </p:cNvPr>
@@ -5909,94 +6096,145 @@
           <a:p>
             <a:r>
               <a:rPr lang="de-DE" dirty="0"/>
-              <a:t>Zugriff auf astronomische Kataloge und vieles mehr erfordert </a:t>
-            </a:r>
+              <a:t>FITS-Daten werden umfangreich unterstützt, lesen/schreiben, auch Cloud Storage</a:t>
+            </a:r>
+          </a:p>
+          <a:p>
             <a:r>
               <a:rPr lang="de-DE" dirty="0" err="1"/>
-              <a:t>Astroquery</a:t>
+              <a:t>astropy.io.fits</a:t>
             </a:r>
             <a:endParaRPr lang="de-DE" dirty="0"/>
           </a:p>
           <a:p>
             <a:r>
+              <a:rPr lang="de-DE" dirty="0"/>
+              <a:t>Unterstützt auch diverse etablierte Work-</a:t>
+            </a:r>
+            <a:r>
               <a:rPr lang="de-DE" dirty="0" err="1"/>
-              <a:t>astroquery.alma</a:t>
-            </a:r>
-            <a:r>
-              <a:rPr lang="de-DE" dirty="0"/>
-              <a:t> … </a:t>
+              <a:t>arounds</a:t>
+            </a:r>
+            <a:r>
+              <a:rPr lang="de-DE" dirty="0"/>
+              <a:t> wie 16 </a:t>
             </a:r>
             <a:r>
               <a:rPr lang="de-DE" dirty="0" err="1"/>
-              <a:t>astroquery.mpc</a:t>
-            </a:r>
-            <a:r>
-              <a:rPr lang="de-DE" dirty="0"/>
-              <a:t> … </a:t>
+              <a:t>bit</a:t>
+            </a:r>
+            <a:r>
+              <a:rPr lang="de-DE" dirty="0"/>
+              <a:t> </a:t>
             </a:r>
             <a:r>
               <a:rPr lang="de-DE" dirty="0" err="1"/>
-              <a:t>astroquery.simbad</a:t>
-            </a:r>
-            <a:r>
-              <a:rPr lang="de-DE" dirty="0"/>
-              <a:t> … </a:t>
+              <a:t>unsigned</a:t>
+            </a:r>
+            <a:r>
+              <a:rPr lang="de-DE" dirty="0"/>
+              <a:t> </a:t>
             </a:r>
             <a:r>
               <a:rPr lang="de-DE" dirty="0" err="1"/>
-              <a:t>astroquery.vizier</a:t>
-            </a:r>
-            <a:r>
-              <a:rPr lang="de-DE" dirty="0"/>
-              <a:t> … </a:t>
+              <a:t>int</a:t>
+            </a:r>
+            <a:endParaRPr lang="de-DE" dirty="0"/>
+          </a:p>
+          <a:p>
+            <a:r>
+              <a:rPr lang="de-DE" dirty="0"/>
+              <a:t>Struktur</a:t>
+            </a:r>
+          </a:p>
+          <a:p>
+            <a:pPr lvl="1"/>
+            <a:r>
+              <a:rPr lang="de-DE" dirty="0"/>
+              <a:t>(List </a:t>
             </a:r>
             <a:r>
               <a:rPr lang="de-DE" dirty="0" err="1"/>
-              <a:t>astroquery.xmatch</a:t>
+              <a:t>of</a:t>
+            </a:r>
+            <a:r>
+              <a:rPr lang="de-DE" dirty="0"/>
+              <a:t>) Header Data Units</a:t>
+            </a:r>
+          </a:p>
+          <a:p>
+            <a:pPr lvl="2"/>
+            <a:r>
+              <a:rPr lang="de-DE" dirty="0"/>
+              <a:t>Header	(inkl. WCS </a:t>
+            </a:r>
+            <a:r>
+              <a:rPr lang="de-DE" dirty="0">
+                <a:sym typeface="Wingdings" panose="05000000000000000000" pitchFamily="2" charset="2"/>
+              </a:rPr>
+              <a:t> </a:t>
+            </a:r>
+            <a:r>
+              <a:rPr lang="de-DE" dirty="0" err="1">
+                <a:sym typeface="Wingdings" panose="05000000000000000000" pitchFamily="2" charset="2"/>
+              </a:rPr>
+              <a:t>astropy.wcs</a:t>
+            </a:r>
+            <a:r>
+              <a:rPr lang="de-DE" dirty="0">
+                <a:sym typeface="Wingdings" panose="05000000000000000000" pitchFamily="2" charset="2"/>
+              </a:rPr>
+              <a:t>)</a:t>
             </a:r>
             <a:endParaRPr lang="de-DE" dirty="0"/>
           </a:p>
           <a:p>
+            <a:pPr lvl="2"/>
+            <a:r>
+              <a:rPr lang="de-DE" dirty="0"/>
+              <a:t>Data	(als </a:t>
+            </a:r>
+            <a:r>
+              <a:rPr lang="de-DE" dirty="0" err="1"/>
+              <a:t>numpy</a:t>
+            </a:r>
+            <a:r>
+              <a:rPr lang="de-DE" dirty="0"/>
+              <a:t> Array)</a:t>
+            </a:r>
+          </a:p>
+          <a:p>
+            <a:pPr lvl="2"/>
             <a:endParaRPr lang="de-DE" dirty="0"/>
           </a:p>
           <a:p>
             <a:r>
               <a:rPr lang="de-DE" dirty="0"/>
-              <a:t>Anwendungsbeispiele:</a:t>
-            </a:r>
-          </a:p>
-          <a:p>
-            <a:pPr lvl="1"/>
-            <a:r>
-              <a:rPr lang="de-DE" dirty="0"/>
-              <a:t>MPC für </a:t>
+              <a:t>Leider gibt es keinen Support für XISF-Files (PixInsight)</a:t>
+            </a:r>
+          </a:p>
+          <a:p>
+            <a:r>
+              <a:rPr lang="de-DE" dirty="0"/>
+              <a:t>Web-Recherche liefert nur dieses Projekt: </a:t>
+            </a:r>
+            <a:r>
+              <a:rPr lang="de-DE" dirty="0">
+                <a:hlinkClick r:id="rId2"/>
+              </a:rPr>
+              <a:t>https://github.com/sergio-dr/xisf</a:t>
+            </a:r>
+            <a:r>
+              <a:rPr lang="de-DE" dirty="0"/>
+              <a:t> (stand-</a:t>
             </a:r>
             <a:r>
               <a:rPr lang="de-DE" dirty="0" err="1"/>
-              <a:t>Sterwartenlokationen</a:t>
-            </a:r>
-            <a:endParaRPr lang="de-DE" dirty="0"/>
-          </a:p>
-          <a:p>
-            <a:pPr lvl="1"/>
-            <a:r>
-              <a:rPr lang="de-DE" dirty="0" err="1"/>
-              <a:t>Simbad</a:t>
-            </a:r>
-            <a:r>
-              <a:rPr lang="de-DE" dirty="0"/>
-              <a:t> für Objektdaten</a:t>
-            </a:r>
-          </a:p>
-          <a:p>
-            <a:pPr lvl="1"/>
-            <a:r>
-              <a:rPr lang="de-DE" dirty="0" err="1"/>
-              <a:t>VizieR</a:t>
-            </a:r>
-            <a:r>
-              <a:rPr lang="de-DE" dirty="0"/>
-              <a:t> für Zugriff auf Katalog</a:t>
+              <a:t>alone</a:t>
+            </a:r>
+            <a:r>
+              <a:rPr lang="de-DE" dirty="0"/>
+              <a:t>)</a:t>
             </a:r>
           </a:p>
         </p:txBody>
@@ -6006,7 +6244,7 @@
           <p:cNvPr id="4" name="Datumsplatzhalter 3">
             <a:extLst>
               <a:ext uri="{FF2B5EF4-FFF2-40B4-BE49-F238E27FC236}">
-                <a16:creationId xmlns:a16="http://schemas.microsoft.com/office/drawing/2014/main" id="{016264F1-117F-19C2-57E5-38D0EE8DBD82}"/>
+                <a16:creationId xmlns:a16="http://schemas.microsoft.com/office/drawing/2014/main" id="{620C78F1-8657-6FD2-D574-54016EAD5ED6}"/>
               </a:ext>
             </a:extLst>
           </p:cNvPr>
@@ -6034,7 +6272,7 @@
           <p:cNvPr id="5" name="Fußzeilenplatzhalter 4">
             <a:extLst>
               <a:ext uri="{FF2B5EF4-FFF2-40B4-BE49-F238E27FC236}">
-                <a16:creationId xmlns:a16="http://schemas.microsoft.com/office/drawing/2014/main" id="{416CFD34-CF2D-D3B7-7E34-5F7A55D8A7DA}"/>
+                <a16:creationId xmlns:a16="http://schemas.microsoft.com/office/drawing/2014/main" id="{FDBB23E2-E3F6-AC6E-844D-30FC75664057}"/>
               </a:ext>
             </a:extLst>
           </p:cNvPr>
@@ -6062,7 +6300,7 @@
           <p:cNvPr id="6" name="Foliennummernplatzhalter 5">
             <a:extLst>
               <a:ext uri="{FF2B5EF4-FFF2-40B4-BE49-F238E27FC236}">
-                <a16:creationId xmlns:a16="http://schemas.microsoft.com/office/drawing/2014/main" id="{2105AC5D-98A6-26DC-6840-459747918D72}"/>
+                <a16:creationId xmlns:a16="http://schemas.microsoft.com/office/drawing/2014/main" id="{C7D2E764-E718-9891-1ACB-F2CD7E3897B5}"/>
               </a:ext>
             </a:extLst>
           </p:cNvPr>
@@ -6089,7 +6327,7 @@
     </p:spTree>
     <p:extLst>
       <p:ext uri="{BB962C8B-B14F-4D97-AF65-F5344CB8AC3E}">
-        <p14:creationId xmlns:p14="http://schemas.microsoft.com/office/powerpoint/2010/main" val="3220133569"/>
+        <p14:creationId xmlns:p14="http://schemas.microsoft.com/office/powerpoint/2010/main" val="2265960010"/>
       </p:ext>
     </p:extLst>
   </p:cSld>

--- a/doc/Astropy-and-Friends.pptx
+++ b/doc/Astropy-and-Friends.pptx
@@ -218,7 +218,7 @@
           <a:p>
             <a:fld id="{F98456CD-C349-48CA-A8E4-556409A2B3C5}" type="datetimeFigureOut">
               <a:rPr lang="de-DE" smtClean="0"/>
-              <a:t>12.02.2025</a:t>
+              <a:t>24.02.2025</a:t>
             </a:fld>
             <a:endParaRPr lang="de-DE"/>
           </a:p>
@@ -2450,7 +2450,9 @@
         </p:nvSpPr>
         <p:spPr/>
         <p:txBody>
-          <a:bodyPr/>
+          <a:bodyPr>
+            <a:noAutofit/>
+          </a:bodyPr>
           <a:lstStyle/>
           <a:p>
             <a:r>
@@ -2462,6 +2464,21 @@
             <a:r>
               <a:rPr lang="de-DE" dirty="0"/>
               <a:t>Dr. Martin Junius</a:t>
+            </a:r>
+          </a:p>
+          <a:p>
+            <a:endParaRPr lang="de-DE" dirty="0"/>
+          </a:p>
+          <a:p>
+            <a:r>
+              <a:rPr lang="de-DE" dirty="0">
+                <a:hlinkClick r:id="rId2"/>
+              </a:rPr>
+              <a:t>https://github.com/phtnnz/astropy-workbench</a:t>
+            </a:r>
+            <a:r>
+              <a:rPr lang="de-DE" dirty="0"/>
+              <a:t> </a:t>
             </a:r>
           </a:p>
         </p:txBody>

--- a/doc/Astropy-and-Friends.pptx
+++ b/doc/Astropy-and-Friends.pptx
@@ -218,7 +218,7 @@
           <a:p>
             <a:fld id="{F98456CD-C349-48CA-A8E4-556409A2B3C5}" type="datetimeFigureOut">
               <a:rPr lang="de-DE" smtClean="0"/>
-              <a:t>24.02.2025</a:t>
+              <a:t>13.09.2025</a:t>
             </a:fld>
             <a:endParaRPr lang="de-DE"/>
           </a:p>
@@ -640,7 +640,7 @@
           <a:p>
             <a:r>
               <a:rPr lang="de-DE"/>
-              <a:t>2025-02-24</a:t>
+              <a:t>2025-10-11</a:t>
             </a:r>
           </a:p>
         </p:txBody>
@@ -877,7 +877,7 @@
           <a:p>
             <a:r>
               <a:rPr lang="de-DE"/>
-              <a:t>2025-02-24</a:t>
+              <a:t>2025-10-11</a:t>
             </a:r>
           </a:p>
         </p:txBody>
@@ -1162,7 +1162,7 @@
           <a:p>
             <a:r>
               <a:rPr lang="de-DE"/>
-              <a:t>2025-02-24</a:t>
+              <a:t>2025-10-11</a:t>
             </a:r>
           </a:p>
         </p:txBody>
@@ -1435,7 +1435,7 @@
           <a:p>
             <a:r>
               <a:rPr lang="de-DE"/>
-              <a:t>2025-02-24</a:t>
+              <a:t>2025-10-11</a:t>
             </a:r>
           </a:p>
         </p:txBody>
@@ -1571,7 +1571,7 @@
           <a:p>
             <a:r>
               <a:rPr lang="de-DE"/>
-              <a:t>2025-02-24</a:t>
+              <a:t>2025-10-11</a:t>
             </a:r>
           </a:p>
         </p:txBody>
@@ -1901,7 +1901,7 @@
           <a:p>
             <a:r>
               <a:rPr lang="de-DE"/>
-              <a:t>2025-02-24</a:t>
+              <a:t>2025-10-11</a:t>
             </a:r>
           </a:p>
         </p:txBody>
@@ -2506,7 +2506,7 @@
           <a:p>
             <a:r>
               <a:rPr lang="de-DE"/>
-              <a:t>2025-02-24</a:t>
+              <a:t>2025-10-11</a:t>
             </a:r>
           </a:p>
         </p:txBody>
@@ -2817,8 +2817,20 @@
             </a:r>
             <a:r>
               <a:rPr lang="de-DE" dirty="0"/>
-              <a:t> für Zugriff auf Katalog</a:t>
-            </a:r>
+              <a:t> für Zugriff auf Kataloge</a:t>
+            </a:r>
+          </a:p>
+          <a:p>
+            <a:pPr lvl="1"/>
+            <a:r>
+              <a:rPr lang="de-DE" dirty="0"/>
+              <a:t>Photometry.net für Plate </a:t>
+            </a:r>
+            <a:r>
+              <a:rPr lang="de-DE" dirty="0" err="1"/>
+              <a:t>Solving</a:t>
+            </a:r>
+            <a:endParaRPr lang="de-DE" dirty="0"/>
           </a:p>
         </p:txBody>
       </p:sp>
@@ -2845,7 +2857,7 @@
           <a:p>
             <a:r>
               <a:rPr lang="de-DE"/>
-              <a:t>2025-02-24</a:t>
+              <a:t>2025-10-11</a:t>
             </a:r>
           </a:p>
         </p:txBody>
@@ -3044,6 +3056,31 @@
               <a:t> </a:t>
             </a:r>
           </a:p>
+          <a:p>
+            <a:endParaRPr lang="de-DE" dirty="0"/>
+          </a:p>
+          <a:p>
+            <a:r>
+              <a:rPr lang="de-DE" dirty="0"/>
+              <a:t>Mein Python-Beispiel-Code</a:t>
+            </a:r>
+          </a:p>
+          <a:p>
+            <a:pPr lvl="1"/>
+            <a:r>
+              <a:rPr lang="de-DE" dirty="0">
+                <a:hlinkClick r:id="rId5"/>
+              </a:rPr>
+              <a:t>https://github.com/phtnnz/astropy-workbench</a:t>
+            </a:r>
+            <a:r>
+              <a:rPr lang="de-DE" dirty="0"/>
+              <a:t> </a:t>
+            </a:r>
+          </a:p>
+          <a:p>
+            <a:endParaRPr lang="de-DE" dirty="0"/>
+          </a:p>
         </p:txBody>
       </p:sp>
       <p:sp>
@@ -3069,7 +3106,7 @@
           <a:p>
             <a:r>
               <a:rPr lang="de-DE"/>
-              <a:t>2025-02-24</a:t>
+              <a:t>2025-10-11</a:t>
             </a:r>
           </a:p>
         </p:txBody>
@@ -3260,6 +3297,139 @@
           </a:p>
           <a:p>
             <a:pPr lvl="1"/>
+            <a:r>
+              <a:rPr lang="de-DE" dirty="0" err="1">
+                <a:solidFill>
+                  <a:schemeClr val="bg1">
+                    <a:lumMod val="65000"/>
+                  </a:schemeClr>
+                </a:solidFill>
+              </a:rPr>
+              <a:t>Photutils</a:t>
+            </a:r>
+            <a:r>
+              <a:rPr lang="de-DE" dirty="0">
+                <a:solidFill>
+                  <a:schemeClr val="bg1">
+                    <a:lumMod val="65000"/>
+                  </a:schemeClr>
+                </a:solidFill>
+              </a:rPr>
+              <a:t>	</a:t>
+            </a:r>
+            <a:r>
+              <a:rPr lang="de-DE" dirty="0" err="1">
+                <a:solidFill>
+                  <a:schemeClr val="bg1">
+                    <a:lumMod val="65000"/>
+                  </a:schemeClr>
+                </a:solidFill>
+              </a:rPr>
+              <a:t>Photometry</a:t>
+            </a:r>
+            <a:r>
+              <a:rPr lang="de-DE" dirty="0">
+                <a:solidFill>
+                  <a:schemeClr val="bg1">
+                    <a:lumMod val="65000"/>
+                  </a:schemeClr>
+                </a:solidFill>
+              </a:rPr>
+              <a:t> 			(noch nicht benutzt)</a:t>
+            </a:r>
+          </a:p>
+          <a:p>
+            <a:pPr lvl="1"/>
+            <a:r>
+              <a:rPr lang="en-US" dirty="0" err="1">
+                <a:solidFill>
+                  <a:schemeClr val="bg1">
+                    <a:lumMod val="65000"/>
+                  </a:schemeClr>
+                </a:solidFill>
+              </a:rPr>
+              <a:t>sbpy</a:t>
+            </a:r>
+            <a:r>
+              <a:rPr lang="en-US" dirty="0">
+                <a:solidFill>
+                  <a:schemeClr val="bg1">
+                    <a:lumMod val="65000"/>
+                  </a:schemeClr>
+                </a:solidFill>
+              </a:rPr>
+              <a:t> 		Small-body planetary astronomy	(</a:t>
+            </a:r>
+            <a:r>
+              <a:rPr lang="en-US" dirty="0" err="1">
+                <a:solidFill>
+                  <a:schemeClr val="bg1">
+                    <a:lumMod val="65000"/>
+                  </a:schemeClr>
+                </a:solidFill>
+              </a:rPr>
+              <a:t>noch</a:t>
+            </a:r>
+            <a:r>
+              <a:rPr lang="en-US" dirty="0">
+                <a:solidFill>
+                  <a:schemeClr val="bg1">
+                    <a:lumMod val="65000"/>
+                  </a:schemeClr>
+                </a:solidFill>
+              </a:rPr>
+              <a:t> </a:t>
+            </a:r>
+            <a:r>
+              <a:rPr lang="en-US" dirty="0" err="1">
+                <a:solidFill>
+                  <a:schemeClr val="bg1">
+                    <a:lumMod val="65000"/>
+                  </a:schemeClr>
+                </a:solidFill>
+              </a:rPr>
+              <a:t>nicht</a:t>
+            </a:r>
+            <a:r>
+              <a:rPr lang="en-US" dirty="0">
+                <a:solidFill>
+                  <a:schemeClr val="bg1">
+                    <a:lumMod val="65000"/>
+                  </a:schemeClr>
+                </a:solidFill>
+              </a:rPr>
+              <a:t> </a:t>
+            </a:r>
+            <a:r>
+              <a:rPr lang="en-US" dirty="0" err="1">
+                <a:solidFill>
+                  <a:schemeClr val="bg1">
+                    <a:lumMod val="65000"/>
+                  </a:schemeClr>
+                </a:solidFill>
+              </a:rPr>
+              <a:t>benutzt</a:t>
+            </a:r>
+            <a:r>
+              <a:rPr lang="en-US" dirty="0">
+                <a:solidFill>
+                  <a:schemeClr val="bg1">
+                    <a:lumMod val="65000"/>
+                  </a:schemeClr>
+                </a:solidFill>
+              </a:rPr>
+              <a:t>)</a:t>
+            </a:r>
+            <a:endParaRPr lang="de-DE" dirty="0">
+              <a:solidFill>
+                <a:schemeClr val="bg1">
+                  <a:lumMod val="65000"/>
+                </a:schemeClr>
+              </a:solidFill>
+            </a:endParaRPr>
+          </a:p>
+          <a:p>
+            <a:pPr lvl="1"/>
             <a:endParaRPr lang="de-DE" dirty="0"/>
           </a:p>
           <a:p>
@@ -3312,7 +3482,7 @@
           <a:p>
             <a:r>
               <a:rPr lang="de-DE"/>
-              <a:t>2025-02-24</a:t>
+              <a:t>2025-10-11</a:t>
             </a:r>
           </a:p>
         </p:txBody>
@@ -3483,7 +3653,7 @@
             </a:r>
             <a:r>
               <a:rPr lang="de-DE" sz="1600" dirty="0"/>
-              <a:t>&gt;=7.0.0</a:t>
+              <a:t>&gt;=7.1.0</a:t>
             </a:r>
           </a:p>
           <a:p>
@@ -3501,7 +3671,7 @@
             </a:r>
             <a:r>
               <a:rPr lang="de-DE" sz="1600" dirty="0"/>
-              <a:t>&gt;=0.2025.1.27.0.32.44</a:t>
+              <a:t>&gt;=0.2025.9.8.0.36.17</a:t>
             </a:r>
           </a:p>
           <a:p>
@@ -3519,7 +3689,7 @@
             </a:r>
             <a:r>
               <a:rPr lang="de-DE" sz="1600" dirty="0"/>
-              <a:t>&gt;=0.4.9.post1</a:t>
+              <a:t>&gt;=0.4.10</a:t>
             </a:r>
           </a:p>
           <a:p>
@@ -3551,7 +3721,7 @@
             </a:pPr>
             <a:r>
               <a:rPr lang="de-DE" sz="1600" dirty="0"/>
-              <a:t>beautifulsoup4&gt;=4.13.0b3</a:t>
+              <a:t>beautifulsoup4&gt;=4.13.5</a:t>
             </a:r>
           </a:p>
           <a:p>
@@ -3569,7 +3739,7 @@
             </a:r>
             <a:r>
               <a:rPr lang="de-DE" sz="1600" dirty="0"/>
-              <a:t>&gt;=2024.12.14</a:t>
+              <a:t>&gt;=2025.8.3</a:t>
             </a:r>
           </a:p>
           <a:p>
@@ -3587,7 +3757,7 @@
             </a:r>
             <a:r>
               <a:rPr lang="de-DE" sz="1600" dirty="0"/>
-              <a:t>&gt;=3.4.1</a:t>
+              <a:t>&gt;=3.4.3</a:t>
             </a:r>
           </a:p>
           <a:p>
@@ -3623,7 +3793,7 @@
             </a:r>
             <a:r>
               <a:rPr lang="de-DE" sz="1600" dirty="0"/>
-              <a:t>&gt;=1.3.1</a:t>
+              <a:t>&gt;=1.3.3</a:t>
             </a:r>
           </a:p>
           <a:p>
@@ -3659,7 +3829,7 @@
             </a:r>
             <a:r>
               <a:rPr lang="de-DE" sz="1600" dirty="0"/>
-              <a:t>&gt;=2.2.0</a:t>
+              <a:t>&gt;=2.2.1</a:t>
             </a:r>
           </a:p>
           <a:p>
@@ -3677,7 +3847,7 @@
             </a:r>
             <a:r>
               <a:rPr lang="de-DE" sz="1600" dirty="0"/>
-              <a:t>&gt;=4.55.8</a:t>
+              <a:t>&gt;=4.59.2</a:t>
             </a:r>
           </a:p>
           <a:p>
@@ -3709,7 +3879,7 @@
             </a:r>
             <a:r>
               <a:rPr lang="de-DE" sz="1600" dirty="0"/>
-              <a:t>&gt;=2.1.4</a:t>
+              <a:t>&gt;=2.1.7</a:t>
             </a:r>
           </a:p>
           <a:p>
@@ -3781,7 +3951,7 @@
             </a:r>
             <a:r>
               <a:rPr lang="de-DE" sz="1600" dirty="0"/>
-              <a:t>&gt;=4.1.0</a:t>
+              <a:t>&gt;=4.3.0</a:t>
             </a:r>
           </a:p>
           <a:p>
@@ -3799,7 +3969,7 @@
             </a:r>
             <a:r>
               <a:rPr lang="de-DE" sz="1600" dirty="0"/>
-              <a:t>&gt;=2.22</a:t>
+              <a:t>&gt;=2.23</a:t>
             </a:r>
           </a:p>
           <a:p>
@@ -3819,17 +3989,6 @@
               <a:rPr lang="de-DE" sz="1600" dirty="0"/>
               <a:t>&gt;=25.6.0</a:t>
             </a:r>
-          </a:p>
-          <a:p>
-            <a:pPr>
-              <a:spcBef>
-                <a:spcPts val="0"/>
-              </a:spcBef>
-              <a:spcAft>
-                <a:spcPts val="0"/>
-              </a:spcAft>
-            </a:pPr>
-            <a:endParaRPr lang="de-DE" sz="1600" dirty="0"/>
           </a:p>
         </p:txBody>
       </p:sp>
@@ -3870,7 +4029,7 @@
             </a:r>
             <a:r>
               <a:rPr lang="de-DE" sz="1600" dirty="0"/>
-              <a:t>&gt;=1.4.8</a:t>
+              <a:t>&gt;=1.4.9</a:t>
             </a:r>
           </a:p>
           <a:p>
@@ -3888,7 +4047,7 @@
             </a:r>
             <a:r>
               <a:rPr lang="de-DE" sz="1600" dirty="0"/>
-              <a:t>&gt;=3.10.0</a:t>
+              <a:t>&gt;=3.10.6</a:t>
             </a:r>
           </a:p>
           <a:p>
@@ -3906,7 +4065,7 @@
             </a:r>
             <a:r>
               <a:rPr lang="de-DE" sz="1600" dirty="0"/>
-              <a:t>&gt;=10.6.0</a:t>
+              <a:t>&gt;=10.8.0</a:t>
             </a:r>
           </a:p>
           <a:p>
@@ -3924,7 +4083,7 @@
             </a:r>
             <a:r>
               <a:rPr lang="de-DE" sz="1600" dirty="0"/>
-              <a:t>&gt;=2.2.2</a:t>
+              <a:t>&gt;=2.3.3</a:t>
             </a:r>
           </a:p>
           <a:p>
@@ -3942,7 +4101,7 @@
             </a:r>
             <a:r>
               <a:rPr lang="de-DE" sz="1600" dirty="0"/>
-              <a:t>&gt;=24.2</a:t>
+              <a:t>&gt;=25.0</a:t>
             </a:r>
           </a:p>
           <a:p>
@@ -3960,7 +4119,7 @@
             </a:r>
             <a:r>
               <a:rPr lang="de-DE" sz="1600" dirty="0"/>
-              <a:t>&gt;=11.1.0</a:t>
+              <a:t>&gt;=11.3.0</a:t>
             </a:r>
           </a:p>
           <a:p>
@@ -3996,7 +4155,7 @@
             </a:r>
             <a:r>
               <a:rPr lang="de-DE" sz="1600" dirty="0"/>
-              <a:t>&gt;=2.19.1</a:t>
+              <a:t>&gt;=2.19.2</a:t>
             </a:r>
           </a:p>
           <a:p>
@@ -4014,7 +4173,7 @@
             </a:r>
             <a:r>
               <a:rPr lang="de-DE" sz="1600" dirty="0"/>
-              <a:t>&gt;=3.2.1</a:t>
+              <a:t>&gt;=3.2.4</a:t>
             </a:r>
           </a:p>
           <a:p>
@@ -4050,7 +4209,7 @@
             </a:r>
             <a:r>
               <a:rPr lang="de-DE" sz="1600" dirty="0"/>
-              <a:t>&gt;=2024.2</a:t>
+              <a:t>&gt;=2025.2</a:t>
             </a:r>
           </a:p>
           <a:p>
@@ -4068,7 +4227,7 @@
             </a:r>
             <a:r>
               <a:rPr lang="de-DE" sz="1600" dirty="0"/>
-              <a:t>&gt;=1.6</a:t>
+              <a:t>&gt;=1.7</a:t>
             </a:r>
           </a:p>
           <a:p>
@@ -4118,7 +4277,7 @@
             </a:r>
             <a:r>
               <a:rPr lang="de-DE" sz="1600" dirty="0"/>
-              <a:t>&gt;=2.32.3</a:t>
+              <a:t>&gt;=2.32.5</a:t>
             </a:r>
           </a:p>
           <a:p>
@@ -4154,7 +4313,7 @@
             </a:r>
             <a:r>
               <a:rPr lang="de-DE" sz="1600" dirty="0"/>
-              <a:t>&gt;=2.6</a:t>
+              <a:t>&gt;=2.8</a:t>
             </a:r>
           </a:p>
           <a:p>
@@ -4172,7 +4331,7 @@
             </a:r>
             <a:r>
               <a:rPr lang="de-DE" sz="1600" dirty="0"/>
-              <a:t>&gt;=4.12.2</a:t>
+              <a:t>&gt;=4.15.0</a:t>
             </a:r>
           </a:p>
           <a:p>
@@ -4190,7 +4349,7 @@
             </a:r>
             <a:r>
               <a:rPr lang="de-DE" sz="1600" dirty="0"/>
-              <a:t>&gt;=2025.1</a:t>
+              <a:t>&gt;=2025.2</a:t>
             </a:r>
           </a:p>
           <a:p>
@@ -4204,7 +4363,7 @@
             </a:pPr>
             <a:r>
               <a:rPr lang="de-DE" sz="1600" dirty="0"/>
-              <a:t>urllib3&gt;=2.3.0</a:t>
+              <a:t>urllib3&gt;=2.5.0</a:t>
             </a:r>
           </a:p>
           <a:p>
@@ -4224,6 +4383,17 @@
               <a:rPr lang="de-DE" sz="1600" dirty="0"/>
               <a:t>&gt;=0.5.1</a:t>
             </a:r>
+          </a:p>
+          <a:p>
+            <a:pPr>
+              <a:spcBef>
+                <a:spcPts val="0"/>
+              </a:spcBef>
+              <a:spcAft>
+                <a:spcPts val="0"/>
+              </a:spcAft>
+            </a:pPr>
+            <a:endParaRPr lang="de-DE" sz="1600" dirty="0"/>
           </a:p>
         </p:txBody>
       </p:sp>
@@ -4250,7 +4420,7 @@
           <a:p>
             <a:r>
               <a:rPr lang="de-DE"/>
-              <a:t>2025-02-24</a:t>
+              <a:t>2025-10-11</a:t>
             </a:r>
           </a:p>
         </p:txBody>
@@ -4516,15 +4686,7 @@
             </a:pPr>
             <a:r>
               <a:rPr lang="de-DE" dirty="0"/>
-              <a:t>C Library </a:t>
-            </a:r>
-            <a:r>
-              <a:rPr lang="de-DE" dirty="0" err="1"/>
-              <a:t>based</a:t>
-            </a:r>
-            <a:r>
-              <a:rPr lang="de-DE" dirty="0"/>
-              <a:t> on SOFA, </a:t>
+              <a:t>C Library basiert auf SOFA, </a:t>
             </a:r>
             <a:r>
               <a:rPr lang="de-DE" dirty="0" err="1"/>
@@ -4545,7 +4707,7 @@
             </a:r>
             <a:r>
               <a:rPr lang="de-DE" dirty="0"/>
-              <a:t> nutzt ERFA, N.I.N.A nutzt SOFA</a:t>
+              <a:t> nutzt ERFA, N.I.N.A. nutzt SOFA</a:t>
             </a:r>
           </a:p>
           <a:p>
@@ -4636,7 +4798,7 @@
           <a:p>
             <a:r>
               <a:rPr lang="de-DE"/>
-              <a:t>2025-02-24</a:t>
+              <a:t>2025-10-11</a:t>
             </a:r>
           </a:p>
         </p:txBody>
@@ -4858,7 +5020,7 @@
           <a:p>
             <a:r>
               <a:rPr lang="de-DE" dirty="0"/>
-              <a:t>Und damit lässt sich leicht die wichtige Frage lösen: was ist „</a:t>
+              <a:t>Und damit lässt sich leicht die wichtige Frage lösen: was ist ein „</a:t>
             </a:r>
             <a:r>
               <a:rPr lang="de-DE" dirty="0" err="1"/>
@@ -4902,7 +5064,7 @@
           <a:p>
             <a:r>
               <a:rPr lang="de-DE"/>
-              <a:t>2025-02-24</a:t>
+              <a:t>2025-10-11</a:t>
             </a:r>
           </a:p>
         </p:txBody>
@@ -5381,7 +5543,7 @@
           <a:p>
             <a:r>
               <a:rPr lang="de-DE"/>
-              <a:t>2025-02-24</a:t>
+              <a:t>2025-10-11</a:t>
             </a:r>
           </a:p>
         </p:txBody>
@@ -5733,7 +5895,7 @@
           <a:p>
             <a:r>
               <a:rPr lang="de-DE"/>
-              <a:t>2025-02-24</a:t>
+              <a:t>2025-10-11</a:t>
             </a:r>
           </a:p>
         </p:txBody>
@@ -5970,7 +6132,7 @@
           <a:p>
             <a:r>
               <a:rPr lang="de-DE"/>
-              <a:t>2025-02-24</a:t>
+              <a:t>2025-10-11</a:t>
             </a:r>
           </a:p>
         </p:txBody>
@@ -6279,7 +6441,7 @@
           <a:p>
             <a:r>
               <a:rPr lang="de-DE"/>
-              <a:t>2025-02-24</a:t>
+              <a:t>2025-10-11</a:t>
             </a:r>
           </a:p>
         </p:txBody>

--- a/doc/Astropy-and-Friends.pptx
+++ b/doc/Astropy-and-Friends.pptx
@@ -218,7 +218,7 @@
           <a:p>
             <a:fld id="{F98456CD-C349-48CA-A8E4-556409A2B3C5}" type="datetimeFigureOut">
               <a:rPr lang="de-DE" smtClean="0"/>
-              <a:t>13.09.2025</a:t>
+              <a:t>02.10.2025</a:t>
             </a:fld>
             <a:endParaRPr lang="de-DE"/>
           </a:p>
@@ -2471,13 +2471,13 @@
           </a:p>
           <a:p>
             <a:r>
-              <a:rPr lang="de-DE" dirty="0">
+              <a:rPr lang="de-DE" cap="none" dirty="0">
                 <a:hlinkClick r:id="rId2"/>
               </a:rPr>
               <a:t>https://github.com/phtnnz/astropy-workbench</a:t>
             </a:r>
             <a:r>
-              <a:rPr lang="de-DE" dirty="0"/>
+              <a:rPr lang="de-DE" cap="none" dirty="0"/>
               <a:t> </a:t>
             </a:r>
           </a:p>
